--- a/overleaf/figs_paper_SIMD/Compiler_Framework.pptx
+++ b/overleaf/figs_paper_SIMD/Compiler_Framework.pptx
@@ -7,6 +7,8 @@
   <p:sldIdLst>
     <p:sldId id="256" r:id="rId2"/>
     <p:sldId id="257" r:id="rId3"/>
+    <p:sldId id="258" r:id="rId4"/>
+    <p:sldId id="259" r:id="rId5"/>
   </p:sldIdLst>
   <p:sldSz cx="9144000" cy="6858000" type="screen4x3"/>
   <p:notesSz cx="6858000" cy="9144000"/>
@@ -289,7 +291,7 @@
           <a:p>
             <a:fld id="{BADA5134-9072-CF40-A046-C2EAE7DC6048}" type="datetimeFigureOut">
               <a:rPr lang="en-US" smtClean="0"/>
-              <a:t>2/20/22</a:t>
+              <a:t>3/27/22</a:t>
             </a:fld>
             <a:endParaRPr lang="en-US"/>
           </a:p>
@@ -459,7 +461,7 @@
           <a:p>
             <a:fld id="{BADA5134-9072-CF40-A046-C2EAE7DC6048}" type="datetimeFigureOut">
               <a:rPr lang="en-US" smtClean="0"/>
-              <a:t>2/20/22</a:t>
+              <a:t>3/27/22</a:t>
             </a:fld>
             <a:endParaRPr lang="en-US"/>
           </a:p>
@@ -639,7 +641,7 @@
           <a:p>
             <a:fld id="{BADA5134-9072-CF40-A046-C2EAE7DC6048}" type="datetimeFigureOut">
               <a:rPr lang="en-US" smtClean="0"/>
-              <a:t>2/20/22</a:t>
+              <a:t>3/27/22</a:t>
             </a:fld>
             <a:endParaRPr lang="en-US"/>
           </a:p>
@@ -809,7 +811,7 @@
           <a:p>
             <a:fld id="{BADA5134-9072-CF40-A046-C2EAE7DC6048}" type="datetimeFigureOut">
               <a:rPr lang="en-US" smtClean="0"/>
-              <a:t>2/20/22</a:t>
+              <a:t>3/27/22</a:t>
             </a:fld>
             <a:endParaRPr lang="en-US"/>
           </a:p>
@@ -1055,7 +1057,7 @@
           <a:p>
             <a:fld id="{BADA5134-9072-CF40-A046-C2EAE7DC6048}" type="datetimeFigureOut">
               <a:rPr lang="en-US" smtClean="0"/>
-              <a:t>2/20/22</a:t>
+              <a:t>3/27/22</a:t>
             </a:fld>
             <a:endParaRPr lang="en-US"/>
           </a:p>
@@ -1343,7 +1345,7 @@
           <a:p>
             <a:fld id="{BADA5134-9072-CF40-A046-C2EAE7DC6048}" type="datetimeFigureOut">
               <a:rPr lang="en-US" smtClean="0"/>
-              <a:t>2/20/22</a:t>
+              <a:t>3/27/22</a:t>
             </a:fld>
             <a:endParaRPr lang="en-US"/>
           </a:p>
@@ -1765,7 +1767,7 @@
           <a:p>
             <a:fld id="{BADA5134-9072-CF40-A046-C2EAE7DC6048}" type="datetimeFigureOut">
               <a:rPr lang="en-US" smtClean="0"/>
-              <a:t>2/20/22</a:t>
+              <a:t>3/27/22</a:t>
             </a:fld>
             <a:endParaRPr lang="en-US"/>
           </a:p>
@@ -1883,7 +1885,7 @@
           <a:p>
             <a:fld id="{BADA5134-9072-CF40-A046-C2EAE7DC6048}" type="datetimeFigureOut">
               <a:rPr lang="en-US" smtClean="0"/>
-              <a:t>2/20/22</a:t>
+              <a:t>3/27/22</a:t>
             </a:fld>
             <a:endParaRPr lang="en-US"/>
           </a:p>
@@ -1978,7 +1980,7 @@
           <a:p>
             <a:fld id="{BADA5134-9072-CF40-A046-C2EAE7DC6048}" type="datetimeFigureOut">
               <a:rPr lang="en-US" smtClean="0"/>
-              <a:t>2/20/22</a:t>
+              <a:t>3/27/22</a:t>
             </a:fld>
             <a:endParaRPr lang="en-US"/>
           </a:p>
@@ -2255,7 +2257,7 @@
           <a:p>
             <a:fld id="{BADA5134-9072-CF40-A046-C2EAE7DC6048}" type="datetimeFigureOut">
               <a:rPr lang="en-US" smtClean="0"/>
-              <a:t>2/20/22</a:t>
+              <a:t>3/27/22</a:t>
             </a:fld>
             <a:endParaRPr lang="en-US"/>
           </a:p>
@@ -2508,7 +2510,7 @@
           <a:p>
             <a:fld id="{BADA5134-9072-CF40-A046-C2EAE7DC6048}" type="datetimeFigureOut">
               <a:rPr lang="en-US" smtClean="0"/>
-              <a:t>2/20/22</a:t>
+              <a:t>3/27/22</a:t>
             </a:fld>
             <a:endParaRPr lang="en-US"/>
           </a:p>
@@ -2721,7 +2723,7 @@
           <a:p>
             <a:fld id="{BADA5134-9072-CF40-A046-C2EAE7DC6048}" type="datetimeFigureOut">
               <a:rPr lang="en-US" smtClean="0"/>
-              <a:t>2/20/22</a:t>
+              <a:t>3/27/22</a:t>
             </a:fld>
             <a:endParaRPr lang="en-US"/>
           </a:p>
@@ -3313,7 +3315,7 @@
         <p:spPr>
           <a:xfrm>
             <a:off x="7228566" y="3010038"/>
-            <a:ext cx="1318540" cy="369332"/>
+            <a:ext cx="1338828" cy="369332"/>
           </a:xfrm>
           <a:prstGeom prst="rect">
             <a:avLst/>
@@ -3332,10 +3334,10 @@
           <a:lstStyle/>
           <a:p>
             <a:r>
-              <a:rPr lang="en-US" dirty="0" smtClean="0"/>
+              <a:rPr lang="en-US" b="1" dirty="0" smtClean="0"/>
               <a:t>MPC Source</a:t>
             </a:r>
-            <a:endParaRPr lang="en-US" dirty="0"/>
+            <a:endParaRPr lang="en-US" b="1" dirty="0"/>
           </a:p>
         </p:txBody>
       </p:sp>
@@ -3347,8 +3349,8 @@
         </p:nvSpPr>
         <p:spPr>
           <a:xfrm>
-            <a:off x="9855431" y="2886318"/>
-            <a:ext cx="1318540" cy="646331"/>
+            <a:off x="9845287" y="2886318"/>
+            <a:ext cx="1338828" cy="646331"/>
           </a:xfrm>
           <a:prstGeom prst="rect">
             <a:avLst/>
@@ -3368,21 +3370,17 @@
           <a:p>
             <a:pPr algn="ctr"/>
             <a:r>
-              <a:rPr lang="en-US" dirty="0" err="1" smtClean="0"/>
-              <a:t>Vectorized</a:t>
-            </a:r>
-            <a:r>
-              <a:rPr lang="en-US" dirty="0" smtClean="0"/>
-              <a:t> </a:t>
+              <a:rPr lang="en-US" b="1" dirty="0" smtClean="0"/>
+              <a:t>Optimized </a:t>
             </a:r>
             <a:br>
-              <a:rPr lang="en-US" dirty="0" smtClean="0"/>
+              <a:rPr lang="en-US" b="1" dirty="0" smtClean="0"/>
             </a:br>
             <a:r>
-              <a:rPr lang="en-US" dirty="0" smtClean="0"/>
+              <a:rPr lang="en-US" b="1" dirty="0" smtClean="0"/>
               <a:t>MPC Source</a:t>
             </a:r>
-            <a:endParaRPr lang="en-US" dirty="0"/>
+            <a:endParaRPr lang="en-US" b="1" dirty="0"/>
           </a:p>
         </p:txBody>
       </p:sp>
@@ -3582,8 +3580,8 @@
         </p:nvSpPr>
         <p:spPr>
           <a:xfrm>
-            <a:off x="8075294" y="1426129"/>
-            <a:ext cx="2223836" cy="1200329"/>
+            <a:off x="8089566" y="855369"/>
+            <a:ext cx="2223836" cy="1754327"/>
           </a:xfrm>
           <a:prstGeom prst="rect">
             <a:avLst/>
@@ -3625,12 +3623,22 @@
           <a:p>
             <a:pPr algn="ctr"/>
             <a:r>
-              <a:rPr lang="en-US" b="1" dirty="0" err="1" smtClean="0"/>
-              <a:t>Div</a:t>
-            </a:r>
-            <a:r>
               <a:rPr lang="en-US" b="1" dirty="0" smtClean="0"/>
-              <a:t>-and-Conquer</a:t>
+              <a:t>Divide-and-Conquer</a:t>
+            </a:r>
+          </a:p>
+          <a:p>
+            <a:pPr algn="ctr"/>
+            <a:r>
+              <a:rPr lang="en-US" b="1" dirty="0" smtClean="0"/>
+              <a:t>Optimal Mixing </a:t>
+            </a:r>
+          </a:p>
+          <a:p>
+            <a:pPr algn="ctr"/>
+            <a:r>
+              <a:rPr lang="en-US" b="1" dirty="0" smtClean="0"/>
+              <a:t>Optimal Scheduling</a:t>
             </a:r>
             <a:endParaRPr lang="en-US" b="1" dirty="0"/>
           </a:p>
@@ -3791,8 +3799,8 @@
         </p:nvCxnSpPr>
         <p:spPr>
           <a:xfrm>
-            <a:off x="8547106" y="3194704"/>
-            <a:ext cx="1308325" cy="14780"/>
+            <a:off x="8567394" y="3194704"/>
+            <a:ext cx="1277893" cy="14780"/>
           </a:xfrm>
           <a:prstGeom prst="straightConnector1">
             <a:avLst/>
@@ -3827,8 +3835,8 @@
         </p:nvCxnSpPr>
         <p:spPr>
           <a:xfrm>
-            <a:off x="11173971" y="3209484"/>
-            <a:ext cx="1608665" cy="94"/>
+            <a:off x="11184115" y="3209484"/>
+            <a:ext cx="1598521" cy="94"/>
           </a:xfrm>
           <a:prstGeom prst="straightConnector1">
             <a:avLst/>
@@ -3974,7 +3982,7 @@
         </p:nvSpPr>
         <p:spPr>
           <a:xfrm>
-            <a:off x="9009956" y="2693038"/>
+            <a:off x="9038498" y="2693038"/>
             <a:ext cx="385453" cy="386560"/>
           </a:xfrm>
           <a:prstGeom prst="downArrow">
@@ -4042,10 +4050,2063 @@
           </a:p>
         </p:txBody>
       </p:sp>
+      <p:sp>
+        <p:nvSpPr>
+          <p:cNvPr id="2" name="Oval 1"/>
+          <p:cNvSpPr/>
+          <p:nvPr/>
+        </p:nvSpPr>
+        <p:spPr>
+          <a:xfrm>
+            <a:off x="6763041" y="642101"/>
+            <a:ext cx="5018325" cy="3408478"/>
+          </a:xfrm>
+          <a:prstGeom prst="ellipse">
+            <a:avLst/>
+          </a:prstGeom>
+          <a:noFill/>
+          <a:ln w="25400">
+            <a:solidFill>
+              <a:srgbClr val="FF0000"/>
+            </a:solidFill>
+          </a:ln>
+        </p:spPr>
+        <p:style>
+          <a:lnRef idx="1">
+            <a:schemeClr val="accent1"/>
+          </a:lnRef>
+          <a:fillRef idx="3">
+            <a:schemeClr val="accent1"/>
+          </a:fillRef>
+          <a:effectRef idx="2">
+            <a:schemeClr val="accent1"/>
+          </a:effectRef>
+          <a:fontRef idx="minor">
+            <a:schemeClr val="lt1"/>
+          </a:fontRef>
+        </p:style>
+        <p:txBody>
+          <a:bodyPr rtlCol="0" anchor="ctr"/>
+          <a:lstStyle/>
+          <a:p>
+            <a:pPr algn="ctr"/>
+            <a:endParaRPr lang="en-US" dirty="0" smtClean="0"/>
+          </a:p>
+          <a:p>
+            <a:pPr algn="ctr"/>
+            <a:endParaRPr lang="en-US" dirty="0"/>
+          </a:p>
+        </p:txBody>
+      </p:sp>
     </p:spTree>
     <p:extLst>
       <p:ext uri="{BB962C8B-B14F-4D97-AF65-F5344CB8AC3E}">
         <p14:creationId xmlns:p14="http://schemas.microsoft.com/office/powerpoint/2010/main" val="607297742"/>
+      </p:ext>
+    </p:extLst>
+  </p:cSld>
+  <p:clrMapOvr>
+    <a:masterClrMapping/>
+  </p:clrMapOvr>
+</p:sld>
+</file>
+
+<file path=ppt/slides/slide3.xml><?xml version="1.0" encoding="utf-8"?>
+<p:sld xmlns:a="http://schemas.openxmlformats.org/drawingml/2006/main" xmlns:r="http://schemas.openxmlformats.org/officeDocument/2006/relationships" xmlns:p="http://schemas.openxmlformats.org/presentationml/2006/main">
+  <p:cSld>
+    <p:spTree>
+      <p:nvGrpSpPr>
+        <p:cNvPr id="1" name=""/>
+        <p:cNvGrpSpPr/>
+        <p:nvPr/>
+      </p:nvGrpSpPr>
+      <p:grpSpPr>
+        <a:xfrm>
+          <a:off x="0" y="0"/>
+          <a:ext cx="0" cy="0"/>
+          <a:chOff x="0" y="0"/>
+          <a:chExt cx="0" cy="0"/>
+        </a:xfrm>
+      </p:grpSpPr>
+      <p:sp>
+        <p:nvSpPr>
+          <p:cNvPr id="4" name="TextBox 3"/>
+          <p:cNvSpPr txBox="1"/>
+          <p:nvPr/>
+        </p:nvSpPr>
+        <p:spPr>
+          <a:xfrm>
+            <a:off x="911121" y="1049236"/>
+            <a:ext cx="823400" cy="369332"/>
+          </a:xfrm>
+          <a:prstGeom prst="rect">
+            <a:avLst/>
+          </a:prstGeom>
+          <a:noFill/>
+        </p:spPr>
+        <p:txBody>
+          <a:bodyPr wrap="none" rtlCol="0">
+            <a:spAutoFit/>
+          </a:bodyPr>
+          <a:lstStyle/>
+          <a:p>
+            <a:r>
+              <a:rPr lang="en-US" dirty="0" smtClean="0"/>
+              <a:t>shared</a:t>
+            </a:r>
+            <a:endParaRPr lang="en-US" dirty="0"/>
+          </a:p>
+        </p:txBody>
+      </p:sp>
+      <p:sp>
+        <p:nvSpPr>
+          <p:cNvPr id="5" name="TextBox 4"/>
+          <p:cNvSpPr txBox="1"/>
+          <p:nvPr/>
+        </p:nvSpPr>
+        <p:spPr>
+          <a:xfrm>
+            <a:off x="240121" y="1850503"/>
+            <a:ext cx="927320" cy="369332"/>
+          </a:xfrm>
+          <a:prstGeom prst="rect">
+            <a:avLst/>
+          </a:prstGeom>
+          <a:noFill/>
+        </p:spPr>
+        <p:txBody>
+          <a:bodyPr wrap="none" rtlCol="0">
+            <a:spAutoFit/>
+          </a:bodyPr>
+          <a:lstStyle/>
+          <a:p>
+            <a:r>
+              <a:rPr lang="en-US" dirty="0" err="1" smtClean="0"/>
+              <a:t>party_A</a:t>
+            </a:r>
+            <a:endParaRPr lang="en-US" dirty="0"/>
+          </a:p>
+        </p:txBody>
+      </p:sp>
+      <p:sp>
+        <p:nvSpPr>
+          <p:cNvPr id="7" name="TextBox 6"/>
+          <p:cNvSpPr txBox="1"/>
+          <p:nvPr/>
+        </p:nvSpPr>
+        <p:spPr>
+          <a:xfrm>
+            <a:off x="1008031" y="2647076"/>
+            <a:ext cx="643738" cy="369332"/>
+          </a:xfrm>
+          <a:prstGeom prst="rect">
+            <a:avLst/>
+          </a:prstGeom>
+          <a:noFill/>
+        </p:spPr>
+        <p:txBody>
+          <a:bodyPr wrap="none" rtlCol="0">
+            <a:spAutoFit/>
+          </a:bodyPr>
+          <a:lstStyle/>
+          <a:p>
+            <a:r>
+              <a:rPr lang="en-US" dirty="0" smtClean="0"/>
+              <a:t>plain</a:t>
+            </a:r>
+            <a:endParaRPr lang="en-US" dirty="0"/>
+          </a:p>
+        </p:txBody>
+      </p:sp>
+      <p:sp>
+        <p:nvSpPr>
+          <p:cNvPr id="8" name="TextBox 7"/>
+          <p:cNvSpPr txBox="1"/>
+          <p:nvPr/>
+        </p:nvSpPr>
+        <p:spPr>
+          <a:xfrm>
+            <a:off x="1525621" y="1838299"/>
+            <a:ext cx="919317" cy="369332"/>
+          </a:xfrm>
+          <a:prstGeom prst="rect">
+            <a:avLst/>
+          </a:prstGeom>
+          <a:noFill/>
+        </p:spPr>
+        <p:txBody>
+          <a:bodyPr wrap="none" rtlCol="0">
+            <a:spAutoFit/>
+          </a:bodyPr>
+          <a:lstStyle/>
+          <a:p>
+            <a:r>
+              <a:rPr lang="en-US" dirty="0" err="1" smtClean="0"/>
+              <a:t>party_B</a:t>
+            </a:r>
+            <a:endParaRPr lang="en-US" dirty="0"/>
+          </a:p>
+        </p:txBody>
+      </p:sp>
+      <p:cxnSp>
+        <p:nvCxnSpPr>
+          <p:cNvPr id="12" name="Straight Connector 11"/>
+          <p:cNvCxnSpPr>
+            <a:stCxn id="4" idx="2"/>
+            <a:endCxn id="5" idx="0"/>
+          </p:cNvCxnSpPr>
+          <p:nvPr/>
+        </p:nvCxnSpPr>
+        <p:spPr>
+          <a:xfrm flipH="1">
+            <a:off x="703781" y="1418568"/>
+            <a:ext cx="619040" cy="431935"/>
+          </a:xfrm>
+          <a:prstGeom prst="line">
+            <a:avLst/>
+          </a:prstGeom>
+        </p:spPr>
+        <p:style>
+          <a:lnRef idx="2">
+            <a:schemeClr val="accent1"/>
+          </a:lnRef>
+          <a:fillRef idx="0">
+            <a:schemeClr val="accent1"/>
+          </a:fillRef>
+          <a:effectRef idx="1">
+            <a:schemeClr val="accent1"/>
+          </a:effectRef>
+          <a:fontRef idx="minor">
+            <a:schemeClr val="tx1"/>
+          </a:fontRef>
+        </p:style>
+      </p:cxnSp>
+      <p:cxnSp>
+        <p:nvCxnSpPr>
+          <p:cNvPr id="14" name="Straight Connector 13"/>
+          <p:cNvCxnSpPr>
+            <a:stCxn id="4" idx="2"/>
+            <a:endCxn id="8" idx="0"/>
+          </p:cNvCxnSpPr>
+          <p:nvPr/>
+        </p:nvCxnSpPr>
+        <p:spPr>
+          <a:xfrm>
+            <a:off x="1322821" y="1418568"/>
+            <a:ext cx="662459" cy="419731"/>
+          </a:xfrm>
+          <a:prstGeom prst="line">
+            <a:avLst/>
+          </a:prstGeom>
+        </p:spPr>
+        <p:style>
+          <a:lnRef idx="2">
+            <a:schemeClr val="accent1"/>
+          </a:lnRef>
+          <a:fillRef idx="0">
+            <a:schemeClr val="accent1"/>
+          </a:fillRef>
+          <a:effectRef idx="1">
+            <a:schemeClr val="accent1"/>
+          </a:effectRef>
+          <a:fontRef idx="minor">
+            <a:schemeClr val="tx1"/>
+          </a:fontRef>
+        </p:style>
+      </p:cxnSp>
+      <p:cxnSp>
+        <p:nvCxnSpPr>
+          <p:cNvPr id="16" name="Straight Connector 15"/>
+          <p:cNvCxnSpPr>
+            <a:stCxn id="5" idx="2"/>
+            <a:endCxn id="7" idx="0"/>
+          </p:cNvCxnSpPr>
+          <p:nvPr/>
+        </p:nvCxnSpPr>
+        <p:spPr>
+          <a:xfrm>
+            <a:off x="703781" y="2219835"/>
+            <a:ext cx="626119" cy="427241"/>
+          </a:xfrm>
+          <a:prstGeom prst="line">
+            <a:avLst/>
+          </a:prstGeom>
+        </p:spPr>
+        <p:style>
+          <a:lnRef idx="2">
+            <a:schemeClr val="accent1"/>
+          </a:lnRef>
+          <a:fillRef idx="0">
+            <a:schemeClr val="accent1"/>
+          </a:fillRef>
+          <a:effectRef idx="1">
+            <a:schemeClr val="accent1"/>
+          </a:effectRef>
+          <a:fontRef idx="minor">
+            <a:schemeClr val="tx1"/>
+          </a:fontRef>
+        </p:style>
+      </p:cxnSp>
+      <p:cxnSp>
+        <p:nvCxnSpPr>
+          <p:cNvPr id="18" name="Straight Connector 17"/>
+          <p:cNvCxnSpPr>
+            <a:stCxn id="8" idx="2"/>
+            <a:endCxn id="7" idx="0"/>
+          </p:cNvCxnSpPr>
+          <p:nvPr/>
+        </p:nvCxnSpPr>
+        <p:spPr>
+          <a:xfrm flipH="1">
+            <a:off x="1329900" y="2207631"/>
+            <a:ext cx="655380" cy="439445"/>
+          </a:xfrm>
+          <a:prstGeom prst="line">
+            <a:avLst/>
+          </a:prstGeom>
+        </p:spPr>
+        <p:style>
+          <a:lnRef idx="2">
+            <a:schemeClr val="accent1"/>
+          </a:lnRef>
+          <a:fillRef idx="0">
+            <a:schemeClr val="accent1"/>
+          </a:fillRef>
+          <a:effectRef idx="1">
+            <a:schemeClr val="accent1"/>
+          </a:effectRef>
+          <a:fontRef idx="minor">
+            <a:schemeClr val="tx1"/>
+          </a:fontRef>
+        </p:style>
+      </p:cxnSp>
+      <p:sp>
+        <p:nvSpPr>
+          <p:cNvPr id="19" name="TextBox 18"/>
+          <p:cNvSpPr txBox="1"/>
+          <p:nvPr/>
+        </p:nvSpPr>
+        <p:spPr>
+          <a:xfrm>
+            <a:off x="4192304" y="679904"/>
+            <a:ext cx="653882" cy="369332"/>
+          </a:xfrm>
+          <a:prstGeom prst="rect">
+            <a:avLst/>
+          </a:prstGeom>
+          <a:noFill/>
+        </p:spPr>
+        <p:txBody>
+          <a:bodyPr wrap="none" rtlCol="0">
+            <a:spAutoFit/>
+          </a:bodyPr>
+          <a:lstStyle/>
+          <a:p>
+            <a:r>
+              <a:rPr lang="en-US" dirty="0" smtClean="0"/>
+              <a:t>main</a:t>
+            </a:r>
+            <a:endParaRPr lang="en-US" dirty="0"/>
+          </a:p>
+        </p:txBody>
+      </p:sp>
+      <p:sp>
+        <p:nvSpPr>
+          <p:cNvPr id="20" name="TextBox 19"/>
+          <p:cNvSpPr txBox="1"/>
+          <p:nvPr/>
+        </p:nvSpPr>
+        <p:spPr>
+          <a:xfrm>
+            <a:off x="3539099" y="1527777"/>
+            <a:ext cx="422937" cy="369332"/>
+          </a:xfrm>
+          <a:prstGeom prst="rect">
+            <a:avLst/>
+          </a:prstGeom>
+          <a:noFill/>
+        </p:spPr>
+        <p:txBody>
+          <a:bodyPr wrap="none" rtlCol="0">
+            <a:spAutoFit/>
+          </a:bodyPr>
+          <a:lstStyle/>
+          <a:p>
+            <a:r>
+              <a:rPr lang="en-US" dirty="0" smtClean="0"/>
+              <a:t>p1</a:t>
+            </a:r>
+            <a:endParaRPr lang="en-US" dirty="0"/>
+          </a:p>
+        </p:txBody>
+      </p:sp>
+      <p:sp>
+        <p:nvSpPr>
+          <p:cNvPr id="21" name="TextBox 20"/>
+          <p:cNvSpPr txBox="1"/>
+          <p:nvPr/>
+        </p:nvSpPr>
+        <p:spPr>
+          <a:xfrm>
+            <a:off x="4271309" y="1528311"/>
+            <a:ext cx="422937" cy="369332"/>
+          </a:xfrm>
+          <a:prstGeom prst="rect">
+            <a:avLst/>
+          </a:prstGeom>
+          <a:noFill/>
+        </p:spPr>
+        <p:txBody>
+          <a:bodyPr wrap="none" rtlCol="0">
+            <a:spAutoFit/>
+          </a:bodyPr>
+          <a:lstStyle/>
+          <a:p>
+            <a:r>
+              <a:rPr lang="en-US" dirty="0" smtClean="0"/>
+              <a:t>p2</a:t>
+            </a:r>
+            <a:endParaRPr lang="en-US" dirty="0"/>
+          </a:p>
+        </p:txBody>
+      </p:sp>
+      <p:sp>
+        <p:nvSpPr>
+          <p:cNvPr id="22" name="TextBox 21"/>
+          <p:cNvSpPr txBox="1"/>
+          <p:nvPr/>
+        </p:nvSpPr>
+        <p:spPr>
+          <a:xfrm>
+            <a:off x="4989714" y="1515039"/>
+            <a:ext cx="422937" cy="369332"/>
+          </a:xfrm>
+          <a:prstGeom prst="rect">
+            <a:avLst/>
+          </a:prstGeom>
+          <a:noFill/>
+        </p:spPr>
+        <p:txBody>
+          <a:bodyPr wrap="none" rtlCol="0">
+            <a:spAutoFit/>
+          </a:bodyPr>
+          <a:lstStyle/>
+          <a:p>
+            <a:r>
+              <a:rPr lang="en-US" dirty="0" smtClean="0"/>
+              <a:t>p3</a:t>
+            </a:r>
+            <a:endParaRPr lang="en-US" dirty="0"/>
+          </a:p>
+        </p:txBody>
+      </p:sp>
+      <p:sp>
+        <p:nvSpPr>
+          <p:cNvPr id="23" name="TextBox 22"/>
+          <p:cNvSpPr txBox="1"/>
+          <p:nvPr/>
+        </p:nvSpPr>
+        <p:spPr>
+          <a:xfrm>
+            <a:off x="4091844" y="2453313"/>
+            <a:ext cx="422937" cy="369332"/>
+          </a:xfrm>
+          <a:prstGeom prst="rect">
+            <a:avLst/>
+          </a:prstGeom>
+          <a:noFill/>
+        </p:spPr>
+        <p:txBody>
+          <a:bodyPr wrap="none" rtlCol="0">
+            <a:spAutoFit/>
+          </a:bodyPr>
+          <a:lstStyle/>
+          <a:p>
+            <a:r>
+              <a:rPr lang="en-US" dirty="0" smtClean="0"/>
+              <a:t>p4</a:t>
+            </a:r>
+            <a:endParaRPr lang="en-US" dirty="0"/>
+          </a:p>
+        </p:txBody>
+      </p:sp>
+      <p:sp>
+        <p:nvSpPr>
+          <p:cNvPr id="27" name="Freeform 26"/>
+          <p:cNvSpPr/>
+          <p:nvPr/>
+        </p:nvSpPr>
+        <p:spPr>
+          <a:xfrm>
+            <a:off x="3515594" y="1891386"/>
+            <a:ext cx="763915" cy="635064"/>
+          </a:xfrm>
+          <a:custGeom>
+            <a:avLst/>
+            <a:gdLst>
+              <a:gd name="connsiteX0" fmla="*/ 197916 w 763915"/>
+              <a:gd name="connsiteY0" fmla="*/ 0 h 635064"/>
+              <a:gd name="connsiteX1" fmla="*/ 32257 w 763915"/>
+              <a:gd name="connsiteY1" fmla="*/ 386561 h 635064"/>
+              <a:gd name="connsiteX2" fmla="*/ 763915 w 763915"/>
+              <a:gd name="connsiteY2" fmla="*/ 635064 h 635064"/>
+            </a:gdLst>
+            <a:ahLst/>
+            <a:cxnLst>
+              <a:cxn ang="0">
+                <a:pos x="connsiteX0" y="connsiteY0"/>
+              </a:cxn>
+              <a:cxn ang="0">
+                <a:pos x="connsiteX1" y="connsiteY1"/>
+              </a:cxn>
+              <a:cxn ang="0">
+                <a:pos x="connsiteX2" y="connsiteY2"/>
+              </a:cxn>
+            </a:cxnLst>
+            <a:rect l="l" t="t" r="r" b="b"/>
+            <a:pathLst>
+              <a:path w="763915" h="635064">
+                <a:moveTo>
+                  <a:pt x="197916" y="0"/>
+                </a:moveTo>
+                <a:cubicBezTo>
+                  <a:pt x="67920" y="140358"/>
+                  <a:pt x="-62076" y="280717"/>
+                  <a:pt x="32257" y="386561"/>
+                </a:cubicBezTo>
+                <a:cubicBezTo>
+                  <a:pt x="126590" y="492405"/>
+                  <a:pt x="445252" y="563734"/>
+                  <a:pt x="763915" y="635064"/>
+                </a:cubicBezTo>
+              </a:path>
+            </a:pathLst>
+          </a:custGeom>
+          <a:ln w="12700">
+            <a:tailEnd type="arrow" w="med" len="med"/>
+          </a:ln>
+        </p:spPr>
+        <p:style>
+          <a:lnRef idx="2">
+            <a:schemeClr val="accent1"/>
+          </a:lnRef>
+          <a:fillRef idx="0">
+            <a:schemeClr val="accent1"/>
+          </a:fillRef>
+          <a:effectRef idx="1">
+            <a:schemeClr val="accent1"/>
+          </a:effectRef>
+          <a:fontRef idx="minor">
+            <a:schemeClr val="tx1"/>
+          </a:fontRef>
+        </p:style>
+        <p:txBody>
+          <a:bodyPr rtlCol="0" anchor="ctr"/>
+          <a:lstStyle/>
+          <a:p>
+            <a:pPr algn="ctr"/>
+            <a:endParaRPr lang="en-US"/>
+          </a:p>
+        </p:txBody>
+      </p:sp>
+      <p:sp>
+        <p:nvSpPr>
+          <p:cNvPr id="28" name="Freeform 27"/>
+          <p:cNvSpPr/>
+          <p:nvPr/>
+        </p:nvSpPr>
+        <p:spPr>
+          <a:xfrm>
+            <a:off x="4417558" y="1863775"/>
+            <a:ext cx="806723" cy="786927"/>
+          </a:xfrm>
+          <a:custGeom>
+            <a:avLst/>
+            <a:gdLst>
+              <a:gd name="connsiteX0" fmla="*/ 745463 w 806723"/>
+              <a:gd name="connsiteY0" fmla="*/ 0 h 786927"/>
+              <a:gd name="connsiteX1" fmla="*/ 731658 w 806723"/>
+              <a:gd name="connsiteY1" fmla="*/ 497006 h 786927"/>
+              <a:gd name="connsiteX2" fmla="*/ 0 w 806723"/>
+              <a:gd name="connsiteY2" fmla="*/ 786927 h 786927"/>
+            </a:gdLst>
+            <a:ahLst/>
+            <a:cxnLst>
+              <a:cxn ang="0">
+                <a:pos x="connsiteX0" y="connsiteY0"/>
+              </a:cxn>
+              <a:cxn ang="0">
+                <a:pos x="connsiteX1" y="connsiteY1"/>
+              </a:cxn>
+              <a:cxn ang="0">
+                <a:pos x="connsiteX2" y="connsiteY2"/>
+              </a:cxn>
+            </a:cxnLst>
+            <a:rect l="l" t="t" r="r" b="b"/>
+            <a:pathLst>
+              <a:path w="806723" h="786927">
+                <a:moveTo>
+                  <a:pt x="745463" y="0"/>
+                </a:moveTo>
+                <a:cubicBezTo>
+                  <a:pt x="800682" y="182926"/>
+                  <a:pt x="855902" y="365852"/>
+                  <a:pt x="731658" y="497006"/>
+                </a:cubicBezTo>
+                <a:cubicBezTo>
+                  <a:pt x="607414" y="628161"/>
+                  <a:pt x="303707" y="707544"/>
+                  <a:pt x="0" y="786927"/>
+                </a:cubicBezTo>
+              </a:path>
+            </a:pathLst>
+          </a:custGeom>
+          <a:ln w="12700">
+            <a:tailEnd type="arrow" w="med" len="med"/>
+          </a:ln>
+        </p:spPr>
+        <p:style>
+          <a:lnRef idx="2">
+            <a:schemeClr val="accent1"/>
+          </a:lnRef>
+          <a:fillRef idx="0">
+            <a:schemeClr val="accent1"/>
+          </a:fillRef>
+          <a:effectRef idx="1">
+            <a:schemeClr val="accent1"/>
+          </a:effectRef>
+          <a:fontRef idx="minor">
+            <a:schemeClr val="tx1"/>
+          </a:fontRef>
+        </p:style>
+        <p:txBody>
+          <a:bodyPr rtlCol="0" anchor="ctr"/>
+          <a:lstStyle/>
+          <a:p>
+            <a:pPr algn="ctr"/>
+            <a:endParaRPr lang="en-US"/>
+          </a:p>
+        </p:txBody>
+      </p:sp>
+      <p:cxnSp>
+        <p:nvCxnSpPr>
+          <p:cNvPr id="30" name="Straight Arrow Connector 29"/>
+          <p:cNvCxnSpPr>
+            <a:stCxn id="19" idx="2"/>
+            <a:endCxn id="20" idx="0"/>
+          </p:cNvCxnSpPr>
+          <p:nvPr/>
+        </p:nvCxnSpPr>
+        <p:spPr>
+          <a:xfrm flipH="1">
+            <a:off x="3750568" y="1049236"/>
+            <a:ext cx="768677" cy="478541"/>
+          </a:xfrm>
+          <a:prstGeom prst="straightConnector1">
+            <a:avLst/>
+          </a:prstGeom>
+          <a:ln w="12700">
+            <a:tailEnd type="arrow"/>
+          </a:ln>
+        </p:spPr>
+        <p:style>
+          <a:lnRef idx="2">
+            <a:schemeClr val="accent1"/>
+          </a:lnRef>
+          <a:fillRef idx="0">
+            <a:schemeClr val="accent1"/>
+          </a:fillRef>
+          <a:effectRef idx="1">
+            <a:schemeClr val="accent1"/>
+          </a:effectRef>
+          <a:fontRef idx="minor">
+            <a:schemeClr val="tx1"/>
+          </a:fontRef>
+        </p:style>
+      </p:cxnSp>
+      <p:cxnSp>
+        <p:nvCxnSpPr>
+          <p:cNvPr id="32" name="Straight Arrow Connector 31"/>
+          <p:cNvCxnSpPr>
+            <a:stCxn id="19" idx="2"/>
+            <a:endCxn id="22" idx="0"/>
+          </p:cNvCxnSpPr>
+          <p:nvPr/>
+        </p:nvCxnSpPr>
+        <p:spPr>
+          <a:xfrm>
+            <a:off x="4519245" y="1049236"/>
+            <a:ext cx="681938" cy="465803"/>
+          </a:xfrm>
+          <a:prstGeom prst="straightConnector1">
+            <a:avLst/>
+          </a:prstGeom>
+          <a:ln w="12700">
+            <a:tailEnd type="arrow"/>
+          </a:ln>
+        </p:spPr>
+        <p:style>
+          <a:lnRef idx="2">
+            <a:schemeClr val="accent1"/>
+          </a:lnRef>
+          <a:fillRef idx="0">
+            <a:schemeClr val="accent1"/>
+          </a:fillRef>
+          <a:effectRef idx="1">
+            <a:schemeClr val="accent1"/>
+          </a:effectRef>
+          <a:fontRef idx="minor">
+            <a:schemeClr val="tx1"/>
+          </a:fontRef>
+        </p:style>
+      </p:cxnSp>
+      <p:cxnSp>
+        <p:nvCxnSpPr>
+          <p:cNvPr id="35" name="Straight Arrow Connector 34"/>
+          <p:cNvCxnSpPr>
+            <a:stCxn id="19" idx="2"/>
+            <a:endCxn id="21" idx="0"/>
+          </p:cNvCxnSpPr>
+          <p:nvPr/>
+        </p:nvCxnSpPr>
+        <p:spPr>
+          <a:xfrm flipH="1">
+            <a:off x="4482778" y="1049236"/>
+            <a:ext cx="36467" cy="479075"/>
+          </a:xfrm>
+          <a:prstGeom prst="straightConnector1">
+            <a:avLst/>
+          </a:prstGeom>
+          <a:ln w="12700">
+            <a:tailEnd type="arrow"/>
+          </a:ln>
+        </p:spPr>
+        <p:style>
+          <a:lnRef idx="2">
+            <a:schemeClr val="accent1"/>
+          </a:lnRef>
+          <a:fillRef idx="0">
+            <a:schemeClr val="accent1"/>
+          </a:fillRef>
+          <a:effectRef idx="1">
+            <a:schemeClr val="accent1"/>
+          </a:effectRef>
+          <a:fontRef idx="minor">
+            <a:schemeClr val="tx1"/>
+          </a:fontRef>
+        </p:style>
+      </p:cxnSp>
+      <p:sp>
+        <p:nvSpPr>
+          <p:cNvPr id="36" name="Freeform 35"/>
+          <p:cNvSpPr/>
+          <p:nvPr/>
+        </p:nvSpPr>
+        <p:spPr>
+          <a:xfrm>
+            <a:off x="4028481" y="1470170"/>
+            <a:ext cx="375272" cy="269353"/>
+          </a:xfrm>
+          <a:custGeom>
+            <a:avLst/>
+            <a:gdLst>
+              <a:gd name="connsiteX0" fmla="*/ 306248 w 375272"/>
+              <a:gd name="connsiteY0" fmla="*/ 269353 h 269353"/>
+              <a:gd name="connsiteX1" fmla="*/ 16346 w 375272"/>
+              <a:gd name="connsiteY1" fmla="*/ 214130 h 269353"/>
+              <a:gd name="connsiteX2" fmla="*/ 57760 w 375272"/>
+              <a:gd name="connsiteY2" fmla="*/ 20850 h 269353"/>
+              <a:gd name="connsiteX3" fmla="*/ 237223 w 375272"/>
+              <a:gd name="connsiteY3" fmla="*/ 20850 h 269353"/>
+              <a:gd name="connsiteX4" fmla="*/ 375272 w 375272"/>
+              <a:gd name="connsiteY4" fmla="*/ 158907 h 269353"/>
+            </a:gdLst>
+            <a:ahLst/>
+            <a:cxnLst>
+              <a:cxn ang="0">
+                <a:pos x="connsiteX0" y="connsiteY0"/>
+              </a:cxn>
+              <a:cxn ang="0">
+                <a:pos x="connsiteX1" y="connsiteY1"/>
+              </a:cxn>
+              <a:cxn ang="0">
+                <a:pos x="connsiteX2" y="connsiteY2"/>
+              </a:cxn>
+              <a:cxn ang="0">
+                <a:pos x="connsiteX3" y="connsiteY3"/>
+              </a:cxn>
+              <a:cxn ang="0">
+                <a:pos x="connsiteX4" y="connsiteY4"/>
+              </a:cxn>
+            </a:cxnLst>
+            <a:rect l="l" t="t" r="r" b="b"/>
+            <a:pathLst>
+              <a:path w="375272" h="269353">
+                <a:moveTo>
+                  <a:pt x="306248" y="269353"/>
+                </a:moveTo>
+                <a:cubicBezTo>
+                  <a:pt x="182004" y="262450"/>
+                  <a:pt x="57761" y="255547"/>
+                  <a:pt x="16346" y="214130"/>
+                </a:cubicBezTo>
+                <a:cubicBezTo>
+                  <a:pt x="-25069" y="172713"/>
+                  <a:pt x="20947" y="53063"/>
+                  <a:pt x="57760" y="20850"/>
+                </a:cubicBezTo>
+                <a:cubicBezTo>
+                  <a:pt x="94573" y="-11363"/>
+                  <a:pt x="184304" y="-2160"/>
+                  <a:pt x="237223" y="20850"/>
+                </a:cubicBezTo>
+                <a:cubicBezTo>
+                  <a:pt x="290142" y="43859"/>
+                  <a:pt x="375272" y="158907"/>
+                  <a:pt x="375272" y="158907"/>
+                </a:cubicBezTo>
+              </a:path>
+            </a:pathLst>
+          </a:custGeom>
+          <a:ln w="12700">
+            <a:tailEnd type="arrow" w="med" len="med"/>
+          </a:ln>
+        </p:spPr>
+        <p:style>
+          <a:lnRef idx="2">
+            <a:schemeClr val="accent1"/>
+          </a:lnRef>
+          <a:fillRef idx="0">
+            <a:schemeClr val="accent1"/>
+          </a:fillRef>
+          <a:effectRef idx="1">
+            <a:schemeClr val="accent1"/>
+          </a:effectRef>
+          <a:fontRef idx="minor">
+            <a:schemeClr val="tx1"/>
+          </a:fontRef>
+        </p:style>
+        <p:txBody>
+          <a:bodyPr rtlCol="0" anchor="ctr"/>
+          <a:lstStyle/>
+          <a:p>
+            <a:pPr algn="ctr"/>
+            <a:endParaRPr lang="en-US"/>
+          </a:p>
+        </p:txBody>
+      </p:sp>
+      <p:sp>
+        <p:nvSpPr>
+          <p:cNvPr id="37" name="Freeform 36"/>
+          <p:cNvSpPr/>
+          <p:nvPr/>
+        </p:nvSpPr>
+        <p:spPr>
+          <a:xfrm>
+            <a:off x="3713510" y="1831375"/>
+            <a:ext cx="647121" cy="681269"/>
+          </a:xfrm>
+          <a:custGeom>
+            <a:avLst/>
+            <a:gdLst>
+              <a:gd name="connsiteX0" fmla="*/ 0 w 647121"/>
+              <a:gd name="connsiteY0" fmla="*/ 32400 h 681269"/>
+              <a:gd name="connsiteX1" fmla="*/ 579804 w 647121"/>
+              <a:gd name="connsiteY1" fmla="*/ 73817 h 681269"/>
+              <a:gd name="connsiteX2" fmla="*/ 635024 w 647121"/>
+              <a:gd name="connsiteY2" fmla="*/ 681269 h 681269"/>
+            </a:gdLst>
+            <a:ahLst/>
+            <a:cxnLst>
+              <a:cxn ang="0">
+                <a:pos x="connsiteX0" y="connsiteY0"/>
+              </a:cxn>
+              <a:cxn ang="0">
+                <a:pos x="connsiteX1" y="connsiteY1"/>
+              </a:cxn>
+              <a:cxn ang="0">
+                <a:pos x="connsiteX2" y="connsiteY2"/>
+              </a:cxn>
+            </a:cxnLst>
+            <a:rect l="l" t="t" r="r" b="b"/>
+            <a:pathLst>
+              <a:path w="647121" h="681269">
+                <a:moveTo>
+                  <a:pt x="0" y="32400"/>
+                </a:moveTo>
+                <a:cubicBezTo>
+                  <a:pt x="236983" y="-964"/>
+                  <a:pt x="473967" y="-34328"/>
+                  <a:pt x="579804" y="73817"/>
+                </a:cubicBezTo>
+                <a:cubicBezTo>
+                  <a:pt x="685641" y="181962"/>
+                  <a:pt x="635024" y="681269"/>
+                  <a:pt x="635024" y="681269"/>
+                </a:cubicBezTo>
+              </a:path>
+            </a:pathLst>
+          </a:custGeom>
+          <a:ln w="12700">
+            <a:tailEnd type="arrow" w="med" len="med"/>
+          </a:ln>
+        </p:spPr>
+        <p:style>
+          <a:lnRef idx="2">
+            <a:schemeClr val="accent1"/>
+          </a:lnRef>
+          <a:fillRef idx="0">
+            <a:schemeClr val="accent1"/>
+          </a:fillRef>
+          <a:effectRef idx="1">
+            <a:schemeClr val="accent1"/>
+          </a:effectRef>
+          <a:fontRef idx="minor">
+            <a:schemeClr val="tx1"/>
+          </a:fontRef>
+        </p:style>
+        <p:txBody>
+          <a:bodyPr rtlCol="0" anchor="ctr"/>
+          <a:lstStyle/>
+          <a:p>
+            <a:pPr algn="ctr"/>
+            <a:endParaRPr lang="en-US"/>
+          </a:p>
+        </p:txBody>
+      </p:sp>
+    </p:spTree>
+    <p:extLst>
+      <p:ext uri="{BB962C8B-B14F-4D97-AF65-F5344CB8AC3E}">
+        <p14:creationId xmlns:p14="http://schemas.microsoft.com/office/powerpoint/2010/main" val="2704368858"/>
+      </p:ext>
+    </p:extLst>
+  </p:cSld>
+  <p:clrMapOvr>
+    <a:masterClrMapping/>
+  </p:clrMapOvr>
+</p:sld>
+</file>
+
+<file path=ppt/slides/slide4.xml><?xml version="1.0" encoding="utf-8"?>
+<p:sld xmlns:a="http://schemas.openxmlformats.org/drawingml/2006/main" xmlns:r="http://schemas.openxmlformats.org/officeDocument/2006/relationships" xmlns:p="http://schemas.openxmlformats.org/presentationml/2006/main">
+  <p:cSld>
+    <p:spTree>
+      <p:nvGrpSpPr>
+        <p:cNvPr id="1" name=""/>
+        <p:cNvGrpSpPr/>
+        <p:nvPr/>
+      </p:nvGrpSpPr>
+      <p:grpSpPr>
+        <a:xfrm>
+          <a:off x="0" y="0"/>
+          <a:ext cx="0" cy="0"/>
+          <a:chOff x="0" y="0"/>
+          <a:chExt cx="0" cy="0"/>
+        </a:xfrm>
+      </p:grpSpPr>
+      <p:sp>
+        <p:nvSpPr>
+          <p:cNvPr id="4" name="TextBox 3"/>
+          <p:cNvSpPr txBox="1"/>
+          <p:nvPr/>
+        </p:nvSpPr>
+        <p:spPr>
+          <a:xfrm>
+            <a:off x="-4462567" y="3004459"/>
+            <a:ext cx="826669" cy="369332"/>
+          </a:xfrm>
+          <a:prstGeom prst="rect">
+            <a:avLst/>
+          </a:prstGeom>
+          <a:noFill/>
+          <a:ln>
+            <a:solidFill>
+              <a:schemeClr val="tx1"/>
+            </a:solidFill>
+          </a:ln>
+        </p:spPr>
+        <p:txBody>
+          <a:bodyPr wrap="none" rtlCol="0">
+            <a:spAutoFit/>
+          </a:bodyPr>
+          <a:lstStyle/>
+          <a:p>
+            <a:r>
+              <a:rPr lang="en-US" dirty="0" smtClean="0"/>
+              <a:t>Source</a:t>
+            </a:r>
+            <a:endParaRPr lang="en-US" dirty="0"/>
+          </a:p>
+        </p:txBody>
+      </p:sp>
+      <p:sp>
+        <p:nvSpPr>
+          <p:cNvPr id="6" name="TextBox 5"/>
+          <p:cNvSpPr txBox="1"/>
+          <p:nvPr/>
+        </p:nvSpPr>
+        <p:spPr>
+          <a:xfrm>
+            <a:off x="38408" y="1777859"/>
+            <a:ext cx="1020983" cy="369332"/>
+          </a:xfrm>
+          <a:prstGeom prst="rect">
+            <a:avLst/>
+          </a:prstGeom>
+          <a:noFill/>
+          <a:ln>
+            <a:solidFill>
+              <a:schemeClr val="tx1"/>
+            </a:solidFill>
+          </a:ln>
+        </p:spPr>
+        <p:txBody>
+          <a:bodyPr wrap="none" rtlCol="0">
+            <a:spAutoFit/>
+          </a:bodyPr>
+          <a:lstStyle/>
+          <a:p>
+            <a:pPr algn="ctr"/>
+            <a:r>
+              <a:rPr lang="en-US" dirty="0" err="1" smtClean="0"/>
+              <a:t>Wysteria</a:t>
+            </a:r>
+            <a:endParaRPr lang="en-US" dirty="0"/>
+          </a:p>
+        </p:txBody>
+      </p:sp>
+      <p:sp>
+        <p:nvSpPr>
+          <p:cNvPr id="7" name="TextBox 6"/>
+          <p:cNvSpPr txBox="1"/>
+          <p:nvPr/>
+        </p:nvSpPr>
+        <p:spPr>
+          <a:xfrm>
+            <a:off x="2427218" y="3005527"/>
+            <a:ext cx="1318540" cy="369332"/>
+          </a:xfrm>
+          <a:prstGeom prst="rect">
+            <a:avLst/>
+          </a:prstGeom>
+          <a:noFill/>
+          <a:ln>
+            <a:solidFill>
+              <a:schemeClr val="tx1"/>
+            </a:solidFill>
+          </a:ln>
+        </p:spPr>
+        <p:txBody>
+          <a:bodyPr wrap="none" rtlCol="0">
+            <a:spAutoFit/>
+          </a:bodyPr>
+          <a:lstStyle/>
+          <a:p>
+            <a:r>
+              <a:rPr lang="en-US" dirty="0" smtClean="0"/>
+              <a:t>MPC Source</a:t>
+            </a:r>
+            <a:endParaRPr lang="en-US" dirty="0"/>
+          </a:p>
+        </p:txBody>
+      </p:sp>
+      <p:sp>
+        <p:nvSpPr>
+          <p:cNvPr id="8" name="TextBox 7"/>
+          <p:cNvSpPr txBox="1"/>
+          <p:nvPr/>
+        </p:nvSpPr>
+        <p:spPr>
+          <a:xfrm>
+            <a:off x="2419239" y="3010038"/>
+            <a:ext cx="1338828" cy="369332"/>
+          </a:xfrm>
+          <a:prstGeom prst="rect">
+            <a:avLst/>
+          </a:prstGeom>
+          <a:noFill/>
+          <a:ln>
+            <a:solidFill>
+              <a:schemeClr val="tx1"/>
+            </a:solidFill>
+          </a:ln>
+        </p:spPr>
+        <p:txBody>
+          <a:bodyPr wrap="none" rtlCol="0">
+            <a:spAutoFit/>
+          </a:bodyPr>
+          <a:lstStyle/>
+          <a:p>
+            <a:r>
+              <a:rPr lang="en-US" b="1" dirty="0" smtClean="0"/>
+              <a:t>MPC Source</a:t>
+            </a:r>
+            <a:endParaRPr lang="en-US" b="1" dirty="0"/>
+          </a:p>
+        </p:txBody>
+      </p:sp>
+      <p:sp>
+        <p:nvSpPr>
+          <p:cNvPr id="9" name="TextBox 8"/>
+          <p:cNvSpPr txBox="1"/>
+          <p:nvPr/>
+        </p:nvSpPr>
+        <p:spPr>
+          <a:xfrm>
+            <a:off x="5035960" y="2886318"/>
+            <a:ext cx="1338828" cy="646331"/>
+          </a:xfrm>
+          <a:prstGeom prst="rect">
+            <a:avLst/>
+          </a:prstGeom>
+          <a:noFill/>
+          <a:ln>
+            <a:solidFill>
+              <a:schemeClr val="tx1"/>
+            </a:solidFill>
+          </a:ln>
+        </p:spPr>
+        <p:txBody>
+          <a:bodyPr wrap="none" rtlCol="0">
+            <a:spAutoFit/>
+          </a:bodyPr>
+          <a:lstStyle/>
+          <a:p>
+            <a:pPr algn="ctr"/>
+            <a:r>
+              <a:rPr lang="en-US" b="1" dirty="0" smtClean="0"/>
+              <a:t>Optimized </a:t>
+            </a:r>
+            <a:br>
+              <a:rPr lang="en-US" b="1" dirty="0" smtClean="0"/>
+            </a:br>
+            <a:r>
+              <a:rPr lang="en-US" b="1" dirty="0" smtClean="0"/>
+              <a:t>MPC Source</a:t>
+            </a:r>
+            <a:endParaRPr lang="en-US" b="1" dirty="0"/>
+          </a:p>
+        </p:txBody>
+      </p:sp>
+      <p:sp>
+        <p:nvSpPr>
+          <p:cNvPr id="10" name="TextBox 9"/>
+          <p:cNvSpPr txBox="1"/>
+          <p:nvPr/>
+        </p:nvSpPr>
+        <p:spPr>
+          <a:xfrm>
+            <a:off x="7602263" y="1911930"/>
+            <a:ext cx="1112729" cy="646331"/>
+          </a:xfrm>
+          <a:prstGeom prst="rect">
+            <a:avLst/>
+          </a:prstGeom>
+          <a:noFill/>
+          <a:ln>
+            <a:solidFill>
+              <a:schemeClr val="tx1"/>
+            </a:solidFill>
+          </a:ln>
+        </p:spPr>
+        <p:txBody>
+          <a:bodyPr wrap="none" rtlCol="0">
+            <a:spAutoFit/>
+          </a:bodyPr>
+          <a:lstStyle/>
+          <a:p>
+            <a:pPr algn="ctr"/>
+            <a:r>
+              <a:rPr lang="en-US" dirty="0" smtClean="0"/>
+              <a:t>MOTION</a:t>
+            </a:r>
+            <a:br>
+              <a:rPr lang="en-US" dirty="0" smtClean="0"/>
+            </a:br>
+            <a:r>
+              <a:rPr lang="en-US" dirty="0" smtClean="0"/>
+              <a:t>Primitives</a:t>
+            </a:r>
+            <a:endParaRPr lang="en-US" dirty="0"/>
+          </a:p>
+        </p:txBody>
+      </p:sp>
+      <p:sp>
+        <p:nvSpPr>
+          <p:cNvPr id="14" name="TextBox 13"/>
+          <p:cNvSpPr txBox="1"/>
+          <p:nvPr/>
+        </p:nvSpPr>
+        <p:spPr>
+          <a:xfrm>
+            <a:off x="3240739" y="1996889"/>
+            <a:ext cx="2302846" cy="646331"/>
+          </a:xfrm>
+          <a:prstGeom prst="rect">
+            <a:avLst/>
+          </a:prstGeom>
+          <a:noFill/>
+          <a:ln>
+            <a:solidFill>
+              <a:srgbClr val="008000"/>
+            </a:solidFill>
+          </a:ln>
+        </p:spPr>
+        <p:txBody>
+          <a:bodyPr wrap="none" rtlCol="0">
+            <a:spAutoFit/>
+          </a:bodyPr>
+          <a:lstStyle/>
+          <a:p>
+            <a:pPr algn="ctr"/>
+            <a:r>
+              <a:rPr lang="en-US" b="1" dirty="0" smtClean="0"/>
+              <a:t>“Circuit-independent”</a:t>
+            </a:r>
+          </a:p>
+          <a:p>
+            <a:pPr algn="ctr"/>
+            <a:r>
+              <a:rPr lang="en-US" b="1" dirty="0" smtClean="0"/>
+              <a:t>optimization</a:t>
+            </a:r>
+            <a:endParaRPr lang="en-US" b="1" dirty="0"/>
+          </a:p>
+        </p:txBody>
+      </p:sp>
+      <p:cxnSp>
+        <p:nvCxnSpPr>
+          <p:cNvPr id="21" name="Straight Arrow Connector 20"/>
+          <p:cNvCxnSpPr>
+            <a:stCxn id="6" idx="3"/>
+            <a:endCxn id="7" idx="1"/>
+          </p:cNvCxnSpPr>
+          <p:nvPr/>
+        </p:nvCxnSpPr>
+        <p:spPr>
+          <a:xfrm>
+            <a:off x="1059391" y="1962525"/>
+            <a:ext cx="1367827" cy="1227668"/>
+          </a:xfrm>
+          <a:prstGeom prst="straightConnector1">
+            <a:avLst/>
+          </a:prstGeom>
+          <a:ln>
+            <a:tailEnd type="arrow"/>
+          </a:ln>
+        </p:spPr>
+        <p:style>
+          <a:lnRef idx="2">
+            <a:schemeClr val="accent1"/>
+          </a:lnRef>
+          <a:fillRef idx="0">
+            <a:schemeClr val="accent1"/>
+          </a:fillRef>
+          <a:effectRef idx="1">
+            <a:schemeClr val="accent1"/>
+          </a:effectRef>
+          <a:fontRef idx="minor">
+            <a:schemeClr val="tx1"/>
+          </a:fontRef>
+        </p:style>
+      </p:cxnSp>
+      <p:cxnSp>
+        <p:nvCxnSpPr>
+          <p:cNvPr id="23" name="Straight Arrow Connector 22"/>
+          <p:cNvCxnSpPr>
+            <a:stCxn id="8" idx="3"/>
+            <a:endCxn id="9" idx="1"/>
+          </p:cNvCxnSpPr>
+          <p:nvPr/>
+        </p:nvCxnSpPr>
+        <p:spPr>
+          <a:xfrm>
+            <a:off x="3758067" y="3194704"/>
+            <a:ext cx="1277893" cy="14780"/>
+          </a:xfrm>
+          <a:prstGeom prst="straightConnector1">
+            <a:avLst/>
+          </a:prstGeom>
+          <a:ln>
+            <a:tailEnd type="arrow"/>
+          </a:ln>
+        </p:spPr>
+        <p:style>
+          <a:lnRef idx="2">
+            <a:schemeClr val="accent1"/>
+          </a:lnRef>
+          <a:fillRef idx="0">
+            <a:schemeClr val="accent1"/>
+          </a:fillRef>
+          <a:effectRef idx="1">
+            <a:schemeClr val="accent1"/>
+          </a:effectRef>
+          <a:fontRef idx="minor">
+            <a:schemeClr val="tx1"/>
+          </a:fontRef>
+        </p:style>
+      </p:cxnSp>
+      <p:cxnSp>
+        <p:nvCxnSpPr>
+          <p:cNvPr id="25" name="Straight Arrow Connector 24"/>
+          <p:cNvCxnSpPr>
+            <a:stCxn id="9" idx="3"/>
+            <a:endCxn id="10" idx="1"/>
+          </p:cNvCxnSpPr>
+          <p:nvPr/>
+        </p:nvCxnSpPr>
+        <p:spPr>
+          <a:xfrm flipV="1">
+            <a:off x="6374788" y="2235096"/>
+            <a:ext cx="1227475" cy="974388"/>
+          </a:xfrm>
+          <a:prstGeom prst="straightConnector1">
+            <a:avLst/>
+          </a:prstGeom>
+          <a:ln>
+            <a:tailEnd type="arrow"/>
+          </a:ln>
+        </p:spPr>
+        <p:style>
+          <a:lnRef idx="2">
+            <a:schemeClr val="accent1"/>
+          </a:lnRef>
+          <a:fillRef idx="0">
+            <a:schemeClr val="accent1"/>
+          </a:fillRef>
+          <a:effectRef idx="1">
+            <a:schemeClr val="accent1"/>
+          </a:effectRef>
+          <a:fontRef idx="minor">
+            <a:schemeClr val="tx1"/>
+          </a:fontRef>
+        </p:style>
+      </p:cxnSp>
+      <p:sp>
+        <p:nvSpPr>
+          <p:cNvPr id="31" name="Down Arrow 30"/>
+          <p:cNvSpPr/>
+          <p:nvPr/>
+        </p:nvSpPr>
+        <p:spPr>
+          <a:xfrm>
+            <a:off x="4229171" y="2693038"/>
+            <a:ext cx="385453" cy="386560"/>
+          </a:xfrm>
+          <a:prstGeom prst="downArrow">
+            <a:avLst/>
+          </a:prstGeom>
+        </p:spPr>
+        <p:style>
+          <a:lnRef idx="1">
+            <a:schemeClr val="accent1"/>
+          </a:lnRef>
+          <a:fillRef idx="3">
+            <a:schemeClr val="accent1"/>
+          </a:fillRef>
+          <a:effectRef idx="2">
+            <a:schemeClr val="accent1"/>
+          </a:effectRef>
+          <a:fontRef idx="minor">
+            <a:schemeClr val="lt1"/>
+          </a:fontRef>
+        </p:style>
+        <p:txBody>
+          <a:bodyPr rtlCol="0" anchor="ctr"/>
+          <a:lstStyle/>
+          <a:p>
+            <a:pPr algn="ctr"/>
+            <a:endParaRPr lang="en-US"/>
+          </a:p>
+        </p:txBody>
+      </p:sp>
+      <p:sp>
+        <p:nvSpPr>
+          <p:cNvPr id="2" name="Oval 1"/>
+          <p:cNvSpPr/>
+          <p:nvPr/>
+        </p:nvSpPr>
+        <p:spPr>
+          <a:xfrm>
+            <a:off x="1953714" y="1777859"/>
+            <a:ext cx="5018325" cy="2272720"/>
+          </a:xfrm>
+          <a:prstGeom prst="ellipse">
+            <a:avLst/>
+          </a:prstGeom>
+          <a:noFill/>
+          <a:ln w="25400">
+            <a:solidFill>
+              <a:srgbClr val="FF0000"/>
+            </a:solidFill>
+          </a:ln>
+        </p:spPr>
+        <p:style>
+          <a:lnRef idx="1">
+            <a:schemeClr val="accent1"/>
+          </a:lnRef>
+          <a:fillRef idx="3">
+            <a:schemeClr val="accent1"/>
+          </a:fillRef>
+          <a:effectRef idx="2">
+            <a:schemeClr val="accent1"/>
+          </a:effectRef>
+          <a:fontRef idx="minor">
+            <a:schemeClr val="lt1"/>
+          </a:fontRef>
+        </p:style>
+        <p:txBody>
+          <a:bodyPr rtlCol="0" anchor="ctr"/>
+          <a:lstStyle/>
+          <a:p>
+            <a:pPr algn="ctr"/>
+            <a:endParaRPr lang="en-US" dirty="0" smtClean="0"/>
+          </a:p>
+          <a:p>
+            <a:pPr algn="ctr"/>
+            <a:endParaRPr lang="en-US" dirty="0"/>
+          </a:p>
+        </p:txBody>
+      </p:sp>
+      <p:sp>
+        <p:nvSpPr>
+          <p:cNvPr id="26" name="TextBox 25"/>
+          <p:cNvSpPr txBox="1"/>
+          <p:nvPr/>
+        </p:nvSpPr>
+        <p:spPr>
+          <a:xfrm>
+            <a:off x="109763" y="2345689"/>
+            <a:ext cx="896662" cy="369332"/>
+          </a:xfrm>
+          <a:prstGeom prst="rect">
+            <a:avLst/>
+          </a:prstGeom>
+          <a:noFill/>
+          <a:ln>
+            <a:solidFill>
+              <a:schemeClr val="tx1"/>
+            </a:solidFill>
+          </a:ln>
+        </p:spPr>
+        <p:txBody>
+          <a:bodyPr wrap="none" rtlCol="0">
+            <a:spAutoFit/>
+          </a:bodyPr>
+          <a:lstStyle/>
+          <a:p>
+            <a:pPr algn="ctr"/>
+            <a:r>
+              <a:rPr lang="en-US" dirty="0" smtClean="0"/>
+              <a:t>Viaduct</a:t>
+            </a:r>
+            <a:endParaRPr lang="en-US" dirty="0"/>
+          </a:p>
+        </p:txBody>
+      </p:sp>
+      <p:cxnSp>
+        <p:nvCxnSpPr>
+          <p:cNvPr id="27" name="Straight Arrow Connector 26"/>
+          <p:cNvCxnSpPr>
+            <a:stCxn id="26" idx="3"/>
+            <a:endCxn id="7" idx="1"/>
+          </p:cNvCxnSpPr>
+          <p:nvPr/>
+        </p:nvCxnSpPr>
+        <p:spPr>
+          <a:xfrm>
+            <a:off x="1006425" y="2530355"/>
+            <a:ext cx="1420793" cy="659838"/>
+          </a:xfrm>
+          <a:prstGeom prst="straightConnector1">
+            <a:avLst/>
+          </a:prstGeom>
+          <a:ln>
+            <a:tailEnd type="arrow"/>
+          </a:ln>
+        </p:spPr>
+        <p:style>
+          <a:lnRef idx="2">
+            <a:schemeClr val="accent1"/>
+          </a:lnRef>
+          <a:fillRef idx="0">
+            <a:schemeClr val="accent1"/>
+          </a:fillRef>
+          <a:effectRef idx="1">
+            <a:schemeClr val="accent1"/>
+          </a:effectRef>
+          <a:fontRef idx="minor">
+            <a:schemeClr val="tx1"/>
+          </a:fontRef>
+        </p:style>
+      </p:cxnSp>
+      <p:sp>
+        <p:nvSpPr>
+          <p:cNvPr id="33" name="TextBox 32"/>
+          <p:cNvSpPr txBox="1"/>
+          <p:nvPr/>
+        </p:nvSpPr>
+        <p:spPr>
+          <a:xfrm>
+            <a:off x="38408" y="2965446"/>
+            <a:ext cx="1056700" cy="369332"/>
+          </a:xfrm>
+          <a:prstGeom prst="rect">
+            <a:avLst/>
+          </a:prstGeom>
+          <a:noFill/>
+          <a:ln>
+            <a:solidFill>
+              <a:schemeClr val="tx1"/>
+            </a:solidFill>
+          </a:ln>
+        </p:spPr>
+        <p:txBody>
+          <a:bodyPr wrap="none" rtlCol="0">
+            <a:spAutoFit/>
+          </a:bodyPr>
+          <a:lstStyle/>
+          <a:p>
+            <a:pPr algn="ctr"/>
+            <a:r>
+              <a:rPr lang="en-US" dirty="0" smtClean="0"/>
+              <a:t>IMP MPC</a:t>
+            </a:r>
+            <a:endParaRPr lang="en-US" dirty="0"/>
+          </a:p>
+        </p:txBody>
+      </p:sp>
+      <p:cxnSp>
+        <p:nvCxnSpPr>
+          <p:cNvPr id="34" name="Straight Arrow Connector 33"/>
+          <p:cNvCxnSpPr>
+            <a:stCxn id="33" idx="3"/>
+            <a:endCxn id="7" idx="1"/>
+          </p:cNvCxnSpPr>
+          <p:nvPr/>
+        </p:nvCxnSpPr>
+        <p:spPr>
+          <a:xfrm>
+            <a:off x="1095108" y="3150112"/>
+            <a:ext cx="1332110" cy="40081"/>
+          </a:xfrm>
+          <a:prstGeom prst="straightConnector1">
+            <a:avLst/>
+          </a:prstGeom>
+          <a:ln>
+            <a:tailEnd type="arrow"/>
+          </a:ln>
+        </p:spPr>
+        <p:style>
+          <a:lnRef idx="2">
+            <a:schemeClr val="accent1"/>
+          </a:lnRef>
+          <a:fillRef idx="0">
+            <a:schemeClr val="accent1"/>
+          </a:fillRef>
+          <a:effectRef idx="1">
+            <a:schemeClr val="accent1"/>
+          </a:effectRef>
+          <a:fontRef idx="minor">
+            <a:schemeClr val="tx1"/>
+          </a:fontRef>
+        </p:style>
+      </p:cxnSp>
+      <p:sp>
+        <p:nvSpPr>
+          <p:cNvPr id="35" name="TextBox 34"/>
+          <p:cNvSpPr txBox="1"/>
+          <p:nvPr/>
+        </p:nvSpPr>
+        <p:spPr>
+          <a:xfrm>
+            <a:off x="138305" y="3567095"/>
+            <a:ext cx="864339" cy="369332"/>
+          </a:xfrm>
+          <a:prstGeom prst="rect">
+            <a:avLst/>
+          </a:prstGeom>
+          <a:noFill/>
+          <a:ln>
+            <a:solidFill>
+              <a:schemeClr val="tx1"/>
+            </a:solidFill>
+          </a:ln>
+        </p:spPr>
+        <p:txBody>
+          <a:bodyPr wrap="none" rtlCol="0">
+            <a:spAutoFit/>
+          </a:bodyPr>
+          <a:lstStyle/>
+          <a:p>
+            <a:pPr algn="ctr"/>
+            <a:r>
+              <a:rPr lang="en-US" dirty="0" err="1" smtClean="0"/>
+              <a:t>Obliv</a:t>
+            </a:r>
+            <a:r>
+              <a:rPr lang="en-US" dirty="0" smtClean="0"/>
+              <a:t>-C</a:t>
+            </a:r>
+            <a:endParaRPr lang="en-US" dirty="0"/>
+          </a:p>
+        </p:txBody>
+      </p:sp>
+      <p:cxnSp>
+        <p:nvCxnSpPr>
+          <p:cNvPr id="36" name="Straight Arrow Connector 35"/>
+          <p:cNvCxnSpPr>
+            <a:stCxn id="35" idx="3"/>
+            <a:endCxn id="7" idx="1"/>
+          </p:cNvCxnSpPr>
+          <p:nvPr/>
+        </p:nvCxnSpPr>
+        <p:spPr>
+          <a:xfrm flipV="1">
+            <a:off x="1002644" y="3190193"/>
+            <a:ext cx="1424574" cy="561568"/>
+          </a:xfrm>
+          <a:prstGeom prst="straightConnector1">
+            <a:avLst/>
+          </a:prstGeom>
+          <a:ln>
+            <a:tailEnd type="arrow"/>
+          </a:ln>
+        </p:spPr>
+        <p:style>
+          <a:lnRef idx="2">
+            <a:schemeClr val="accent1"/>
+          </a:lnRef>
+          <a:fillRef idx="0">
+            <a:schemeClr val="accent1"/>
+          </a:fillRef>
+          <a:effectRef idx="1">
+            <a:schemeClr val="accent1"/>
+          </a:effectRef>
+          <a:fontRef idx="minor">
+            <a:schemeClr val="tx1"/>
+          </a:fontRef>
+        </p:style>
+      </p:cxnSp>
+      <p:sp>
+        <p:nvSpPr>
+          <p:cNvPr id="37" name="TextBox 36"/>
+          <p:cNvSpPr txBox="1"/>
+          <p:nvPr/>
+        </p:nvSpPr>
+        <p:spPr>
+          <a:xfrm>
+            <a:off x="284796" y="4150017"/>
+            <a:ext cx="505555" cy="646331"/>
+          </a:xfrm>
+          <a:prstGeom prst="rect">
+            <a:avLst/>
+          </a:prstGeom>
+          <a:noFill/>
+          <a:ln>
+            <a:solidFill>
+              <a:schemeClr val="tx1"/>
+            </a:solidFill>
+          </a:ln>
+        </p:spPr>
+        <p:txBody>
+          <a:bodyPr wrap="none" rtlCol="0">
+            <a:spAutoFit/>
+          </a:bodyPr>
+          <a:lstStyle/>
+          <a:p>
+            <a:pPr algn="ctr"/>
+            <a:r>
+              <a:rPr lang="en-US" dirty="0" smtClean="0"/>
+              <a:t>???</a:t>
+            </a:r>
+            <a:r>
+              <a:rPr lang="en-US" dirty="0" smtClean="0"/>
+              <a:t> </a:t>
+            </a:r>
+            <a:br>
+              <a:rPr lang="en-US" dirty="0" smtClean="0"/>
+            </a:br>
+            <a:r>
+              <a:rPr lang="is-IS" dirty="0" smtClean="0"/>
+              <a:t>…</a:t>
+            </a:r>
+            <a:endParaRPr lang="en-US" dirty="0"/>
+          </a:p>
+        </p:txBody>
+      </p:sp>
+      <p:cxnSp>
+        <p:nvCxnSpPr>
+          <p:cNvPr id="38" name="Straight Arrow Connector 37"/>
+          <p:cNvCxnSpPr>
+            <a:stCxn id="37" idx="3"/>
+            <a:endCxn id="8" idx="1"/>
+          </p:cNvCxnSpPr>
+          <p:nvPr/>
+        </p:nvCxnSpPr>
+        <p:spPr>
+          <a:xfrm flipV="1">
+            <a:off x="790351" y="3194704"/>
+            <a:ext cx="1628888" cy="1278479"/>
+          </a:xfrm>
+          <a:prstGeom prst="straightConnector1">
+            <a:avLst/>
+          </a:prstGeom>
+          <a:ln>
+            <a:tailEnd type="arrow"/>
+          </a:ln>
+        </p:spPr>
+        <p:style>
+          <a:lnRef idx="2">
+            <a:schemeClr val="accent1"/>
+          </a:lnRef>
+          <a:fillRef idx="0">
+            <a:schemeClr val="accent1"/>
+          </a:fillRef>
+          <a:effectRef idx="1">
+            <a:schemeClr val="accent1"/>
+          </a:effectRef>
+          <a:fontRef idx="minor">
+            <a:schemeClr val="tx1"/>
+          </a:fontRef>
+        </p:style>
+      </p:cxnSp>
+      <p:sp>
+        <p:nvSpPr>
+          <p:cNvPr id="39" name="TextBox 38"/>
+          <p:cNvSpPr txBox="1"/>
+          <p:nvPr/>
+        </p:nvSpPr>
+        <p:spPr>
+          <a:xfrm>
+            <a:off x="7602263" y="2878568"/>
+            <a:ext cx="1112729" cy="646331"/>
+          </a:xfrm>
+          <a:prstGeom prst="rect">
+            <a:avLst/>
+          </a:prstGeom>
+          <a:noFill/>
+          <a:ln>
+            <a:solidFill>
+              <a:schemeClr val="tx1"/>
+            </a:solidFill>
+          </a:ln>
+        </p:spPr>
+        <p:txBody>
+          <a:bodyPr wrap="none" rtlCol="0">
+            <a:spAutoFit/>
+          </a:bodyPr>
+          <a:lstStyle/>
+          <a:p>
+            <a:pPr algn="ctr"/>
+            <a:r>
+              <a:rPr lang="en-US" dirty="0" smtClean="0"/>
+              <a:t>SPDZ</a:t>
+            </a:r>
+            <a:r>
+              <a:rPr lang="en-US" dirty="0" smtClean="0"/>
+              <a:t/>
+            </a:r>
+            <a:br>
+              <a:rPr lang="en-US" dirty="0" smtClean="0"/>
+            </a:br>
+            <a:r>
+              <a:rPr lang="en-US" dirty="0" smtClean="0"/>
+              <a:t>Primitives</a:t>
+            </a:r>
+            <a:endParaRPr lang="en-US" dirty="0"/>
+          </a:p>
+        </p:txBody>
+      </p:sp>
+      <p:cxnSp>
+        <p:nvCxnSpPr>
+          <p:cNvPr id="40" name="Straight Arrow Connector 39"/>
+          <p:cNvCxnSpPr>
+            <a:stCxn id="9" idx="3"/>
+            <a:endCxn id="39" idx="1"/>
+          </p:cNvCxnSpPr>
+          <p:nvPr/>
+        </p:nvCxnSpPr>
+        <p:spPr>
+          <a:xfrm flipV="1">
+            <a:off x="6374788" y="3201734"/>
+            <a:ext cx="1227475" cy="7750"/>
+          </a:xfrm>
+          <a:prstGeom prst="straightConnector1">
+            <a:avLst/>
+          </a:prstGeom>
+          <a:ln>
+            <a:tailEnd type="arrow"/>
+          </a:ln>
+        </p:spPr>
+        <p:style>
+          <a:lnRef idx="2">
+            <a:schemeClr val="accent1"/>
+          </a:lnRef>
+          <a:fillRef idx="0">
+            <a:schemeClr val="accent1"/>
+          </a:fillRef>
+          <a:effectRef idx="1">
+            <a:schemeClr val="accent1"/>
+          </a:effectRef>
+          <a:fontRef idx="minor">
+            <a:schemeClr val="tx1"/>
+          </a:fontRef>
+        </p:style>
+      </p:cxnSp>
+      <p:sp>
+        <p:nvSpPr>
+          <p:cNvPr id="42" name="TextBox 41"/>
+          <p:cNvSpPr txBox="1"/>
+          <p:nvPr/>
+        </p:nvSpPr>
+        <p:spPr>
+          <a:xfrm>
+            <a:off x="7611953" y="3815763"/>
+            <a:ext cx="1112729" cy="646331"/>
+          </a:xfrm>
+          <a:prstGeom prst="rect">
+            <a:avLst/>
+          </a:prstGeom>
+          <a:noFill/>
+          <a:ln>
+            <a:solidFill>
+              <a:schemeClr val="tx1"/>
+            </a:solidFill>
+          </a:ln>
+        </p:spPr>
+        <p:txBody>
+          <a:bodyPr wrap="none" rtlCol="0">
+            <a:spAutoFit/>
+          </a:bodyPr>
+          <a:lstStyle/>
+          <a:p>
+            <a:pPr algn="ctr"/>
+            <a:r>
+              <a:rPr lang="en-US" dirty="0" smtClean="0"/>
+              <a:t>???</a:t>
+            </a:r>
+            <a:r>
+              <a:rPr lang="en-US" dirty="0" smtClean="0"/>
+              <a:t/>
+            </a:r>
+            <a:br>
+              <a:rPr lang="en-US" dirty="0" smtClean="0"/>
+            </a:br>
+            <a:r>
+              <a:rPr lang="en-US" dirty="0" smtClean="0"/>
+              <a:t>Primitives</a:t>
+            </a:r>
+            <a:endParaRPr lang="en-US" dirty="0"/>
+          </a:p>
+        </p:txBody>
+      </p:sp>
+      <p:cxnSp>
+        <p:nvCxnSpPr>
+          <p:cNvPr id="43" name="Straight Arrow Connector 42"/>
+          <p:cNvCxnSpPr>
+            <a:stCxn id="9" idx="3"/>
+            <a:endCxn id="42" idx="1"/>
+          </p:cNvCxnSpPr>
+          <p:nvPr/>
+        </p:nvCxnSpPr>
+        <p:spPr>
+          <a:xfrm>
+            <a:off x="6374788" y="3209484"/>
+            <a:ext cx="1237165" cy="929445"/>
+          </a:xfrm>
+          <a:prstGeom prst="straightConnector1">
+            <a:avLst/>
+          </a:prstGeom>
+          <a:ln>
+            <a:tailEnd type="arrow"/>
+          </a:ln>
+        </p:spPr>
+        <p:style>
+          <a:lnRef idx="2">
+            <a:schemeClr val="accent1"/>
+          </a:lnRef>
+          <a:fillRef idx="0">
+            <a:schemeClr val="accent1"/>
+          </a:fillRef>
+          <a:effectRef idx="1">
+            <a:schemeClr val="accent1"/>
+          </a:effectRef>
+          <a:fontRef idx="minor">
+            <a:schemeClr val="tx1"/>
+          </a:fontRef>
+        </p:style>
+      </p:cxnSp>
+      <p:sp>
+        <p:nvSpPr>
+          <p:cNvPr id="45" name="TextBox 44"/>
+          <p:cNvSpPr txBox="1"/>
+          <p:nvPr/>
+        </p:nvSpPr>
+        <p:spPr>
+          <a:xfrm>
+            <a:off x="3774300" y="3679585"/>
+            <a:ext cx="1300356" cy="369332"/>
+          </a:xfrm>
+          <a:prstGeom prst="rect">
+            <a:avLst/>
+          </a:prstGeom>
+          <a:noFill/>
+        </p:spPr>
+        <p:txBody>
+          <a:bodyPr wrap="none" rtlCol="0">
+            <a:spAutoFit/>
+          </a:bodyPr>
+          <a:lstStyle/>
+          <a:p>
+            <a:r>
+              <a:rPr lang="en-US" dirty="0" smtClean="0"/>
+              <a:t>OUR FOCUS</a:t>
+            </a:r>
+            <a:endParaRPr lang="en-US" dirty="0"/>
+          </a:p>
+        </p:txBody>
+      </p:sp>
+      <p:sp>
+        <p:nvSpPr>
+          <p:cNvPr id="48" name="TextBox 47"/>
+          <p:cNvSpPr txBox="1"/>
+          <p:nvPr/>
+        </p:nvSpPr>
+        <p:spPr>
+          <a:xfrm>
+            <a:off x="1141656" y="4209331"/>
+            <a:ext cx="1287532" cy="369332"/>
+          </a:xfrm>
+          <a:prstGeom prst="rect">
+            <a:avLst/>
+          </a:prstGeom>
+          <a:noFill/>
+        </p:spPr>
+        <p:txBody>
+          <a:bodyPr wrap="none" rtlCol="0">
+            <a:spAutoFit/>
+          </a:bodyPr>
+          <a:lstStyle/>
+          <a:p>
+            <a:r>
+              <a:rPr lang="en-US" dirty="0" smtClean="0"/>
+              <a:t>FRONT END</a:t>
+            </a:r>
+            <a:endParaRPr lang="en-US" dirty="0"/>
+          </a:p>
+        </p:txBody>
+      </p:sp>
+      <p:cxnSp>
+        <p:nvCxnSpPr>
+          <p:cNvPr id="50" name="Straight Arrow Connector 49"/>
+          <p:cNvCxnSpPr>
+            <a:stCxn id="48" idx="0"/>
+          </p:cNvCxnSpPr>
+          <p:nvPr/>
+        </p:nvCxnSpPr>
+        <p:spPr>
+          <a:xfrm flipH="1" flipV="1">
+            <a:off x="1412807" y="3334778"/>
+            <a:ext cx="372615" cy="874553"/>
+          </a:xfrm>
+          <a:prstGeom prst="straightConnector1">
+            <a:avLst/>
+          </a:prstGeom>
+          <a:ln>
+            <a:solidFill>
+              <a:schemeClr val="tx1"/>
+            </a:solidFill>
+            <a:tailEnd type="arrow"/>
+          </a:ln>
+        </p:spPr>
+        <p:style>
+          <a:lnRef idx="2">
+            <a:schemeClr val="accent1"/>
+          </a:lnRef>
+          <a:fillRef idx="0">
+            <a:schemeClr val="accent1"/>
+          </a:fillRef>
+          <a:effectRef idx="1">
+            <a:schemeClr val="accent1"/>
+          </a:effectRef>
+          <a:fontRef idx="minor">
+            <a:schemeClr val="tx1"/>
+          </a:fontRef>
+        </p:style>
+      </p:cxnSp>
+      <p:sp>
+        <p:nvSpPr>
+          <p:cNvPr id="51" name="TextBox 50"/>
+          <p:cNvSpPr txBox="1"/>
+          <p:nvPr/>
+        </p:nvSpPr>
+        <p:spPr>
+          <a:xfrm>
+            <a:off x="6160393" y="4209331"/>
+            <a:ext cx="1146468" cy="369332"/>
+          </a:xfrm>
+          <a:prstGeom prst="rect">
+            <a:avLst/>
+          </a:prstGeom>
+          <a:noFill/>
+        </p:spPr>
+        <p:txBody>
+          <a:bodyPr wrap="none" rtlCol="0">
+            <a:spAutoFit/>
+          </a:bodyPr>
+          <a:lstStyle/>
+          <a:p>
+            <a:r>
+              <a:rPr lang="en-US" dirty="0" smtClean="0"/>
+              <a:t>BACK END</a:t>
+            </a:r>
+            <a:endParaRPr lang="en-US" dirty="0"/>
+          </a:p>
+        </p:txBody>
+      </p:sp>
+      <p:cxnSp>
+        <p:nvCxnSpPr>
+          <p:cNvPr id="52" name="Straight Arrow Connector 51"/>
+          <p:cNvCxnSpPr>
+            <a:stCxn id="51" idx="0"/>
+          </p:cNvCxnSpPr>
+          <p:nvPr/>
+        </p:nvCxnSpPr>
+        <p:spPr>
+          <a:xfrm flipV="1">
+            <a:off x="6733627" y="3334779"/>
+            <a:ext cx="358949" cy="874552"/>
+          </a:xfrm>
+          <a:prstGeom prst="straightConnector1">
+            <a:avLst/>
+          </a:prstGeom>
+          <a:ln>
+            <a:solidFill>
+              <a:schemeClr val="tx1"/>
+            </a:solidFill>
+            <a:tailEnd type="arrow"/>
+          </a:ln>
+        </p:spPr>
+        <p:style>
+          <a:lnRef idx="2">
+            <a:schemeClr val="accent1"/>
+          </a:lnRef>
+          <a:fillRef idx="0">
+            <a:schemeClr val="accent1"/>
+          </a:fillRef>
+          <a:effectRef idx="1">
+            <a:schemeClr val="accent1"/>
+          </a:effectRef>
+          <a:fontRef idx="minor">
+            <a:schemeClr val="tx1"/>
+          </a:fontRef>
+        </p:style>
+      </p:cxnSp>
+    </p:spTree>
+    <p:extLst>
+      <p:ext uri="{BB962C8B-B14F-4D97-AF65-F5344CB8AC3E}">
+        <p14:creationId xmlns:p14="http://schemas.microsoft.com/office/powerpoint/2010/main" val="1282944404"/>
       </p:ext>
     </p:extLst>
   </p:cSld>

--- a/overleaf/figs_paper_SIMD/Compiler_Framework.pptx
+++ b/overleaf/figs_paper_SIMD/Compiler_Framework.pptx
@@ -7,8 +7,9 @@
   <p:sldIdLst>
     <p:sldId id="256" r:id="rId2"/>
     <p:sldId id="257" r:id="rId3"/>
-    <p:sldId id="258" r:id="rId4"/>
-    <p:sldId id="259" r:id="rId5"/>
+    <p:sldId id="260" r:id="rId4"/>
+    <p:sldId id="258" r:id="rId5"/>
+    <p:sldId id="259" r:id="rId6"/>
   </p:sldIdLst>
   <p:sldSz cx="9144000" cy="6858000" type="screen4x3"/>
   <p:notesSz cx="6858000" cy="9144000"/>
@@ -291,7 +292,7 @@
           <a:p>
             <a:fld id="{BADA5134-9072-CF40-A046-C2EAE7DC6048}" type="datetimeFigureOut">
               <a:rPr lang="en-US" smtClean="0"/>
-              <a:t>3/27/22</a:t>
+              <a:t>4/30/22</a:t>
             </a:fld>
             <a:endParaRPr lang="en-US"/>
           </a:p>
@@ -461,7 +462,7 @@
           <a:p>
             <a:fld id="{BADA5134-9072-CF40-A046-C2EAE7DC6048}" type="datetimeFigureOut">
               <a:rPr lang="en-US" smtClean="0"/>
-              <a:t>3/27/22</a:t>
+              <a:t>4/30/22</a:t>
             </a:fld>
             <a:endParaRPr lang="en-US"/>
           </a:p>
@@ -641,7 +642,7 @@
           <a:p>
             <a:fld id="{BADA5134-9072-CF40-A046-C2EAE7DC6048}" type="datetimeFigureOut">
               <a:rPr lang="en-US" smtClean="0"/>
-              <a:t>3/27/22</a:t>
+              <a:t>4/30/22</a:t>
             </a:fld>
             <a:endParaRPr lang="en-US"/>
           </a:p>
@@ -811,7 +812,7 @@
           <a:p>
             <a:fld id="{BADA5134-9072-CF40-A046-C2EAE7DC6048}" type="datetimeFigureOut">
               <a:rPr lang="en-US" smtClean="0"/>
-              <a:t>3/27/22</a:t>
+              <a:t>4/30/22</a:t>
             </a:fld>
             <a:endParaRPr lang="en-US"/>
           </a:p>
@@ -1057,7 +1058,7 @@
           <a:p>
             <a:fld id="{BADA5134-9072-CF40-A046-C2EAE7DC6048}" type="datetimeFigureOut">
               <a:rPr lang="en-US" smtClean="0"/>
-              <a:t>3/27/22</a:t>
+              <a:t>4/30/22</a:t>
             </a:fld>
             <a:endParaRPr lang="en-US"/>
           </a:p>
@@ -1345,7 +1346,7 @@
           <a:p>
             <a:fld id="{BADA5134-9072-CF40-A046-C2EAE7DC6048}" type="datetimeFigureOut">
               <a:rPr lang="en-US" smtClean="0"/>
-              <a:t>3/27/22</a:t>
+              <a:t>4/30/22</a:t>
             </a:fld>
             <a:endParaRPr lang="en-US"/>
           </a:p>
@@ -1767,7 +1768,7 @@
           <a:p>
             <a:fld id="{BADA5134-9072-CF40-A046-C2EAE7DC6048}" type="datetimeFigureOut">
               <a:rPr lang="en-US" smtClean="0"/>
-              <a:t>3/27/22</a:t>
+              <a:t>4/30/22</a:t>
             </a:fld>
             <a:endParaRPr lang="en-US"/>
           </a:p>
@@ -1885,7 +1886,7 @@
           <a:p>
             <a:fld id="{BADA5134-9072-CF40-A046-C2EAE7DC6048}" type="datetimeFigureOut">
               <a:rPr lang="en-US" smtClean="0"/>
-              <a:t>3/27/22</a:t>
+              <a:t>4/30/22</a:t>
             </a:fld>
             <a:endParaRPr lang="en-US"/>
           </a:p>
@@ -1980,7 +1981,7 @@
           <a:p>
             <a:fld id="{BADA5134-9072-CF40-A046-C2EAE7DC6048}" type="datetimeFigureOut">
               <a:rPr lang="en-US" smtClean="0"/>
-              <a:t>3/27/22</a:t>
+              <a:t>4/30/22</a:t>
             </a:fld>
             <a:endParaRPr lang="en-US"/>
           </a:p>
@@ -2257,7 +2258,7 @@
           <a:p>
             <a:fld id="{BADA5134-9072-CF40-A046-C2EAE7DC6048}" type="datetimeFigureOut">
               <a:rPr lang="en-US" smtClean="0"/>
-              <a:t>3/27/22</a:t>
+              <a:t>4/30/22</a:t>
             </a:fld>
             <a:endParaRPr lang="en-US"/>
           </a:p>
@@ -2510,7 +2511,7 @@
           <a:p>
             <a:fld id="{BADA5134-9072-CF40-A046-C2EAE7DC6048}" type="datetimeFigureOut">
               <a:rPr lang="en-US" smtClean="0"/>
-              <a:t>3/27/22</a:t>
+              <a:t>4/30/22</a:t>
             </a:fld>
             <a:endParaRPr lang="en-US"/>
           </a:p>
@@ -2723,7 +2724,7 @@
           <a:p>
             <a:fld id="{BADA5134-9072-CF40-A046-C2EAE7DC6048}" type="datetimeFigureOut">
               <a:rPr lang="en-US" smtClean="0"/>
-              <a:t>3/27/22</a:t>
+              <a:t>4/30/22</a:t>
             </a:fld>
             <a:endParaRPr lang="en-US"/>
           </a:p>
@@ -4136,6 +4137,954 @@
         </p:nvSpPr>
         <p:spPr>
           <a:xfrm>
+            <a:off x="346760" y="3004459"/>
+            <a:ext cx="826669" cy="369332"/>
+          </a:xfrm>
+          <a:prstGeom prst="rect">
+            <a:avLst/>
+          </a:prstGeom>
+          <a:noFill/>
+          <a:ln>
+            <a:solidFill>
+              <a:schemeClr val="tx1"/>
+            </a:solidFill>
+          </a:ln>
+        </p:spPr>
+        <p:txBody>
+          <a:bodyPr wrap="none" rtlCol="0">
+            <a:spAutoFit/>
+          </a:bodyPr>
+          <a:lstStyle/>
+          <a:p>
+            <a:r>
+              <a:rPr lang="en-US" dirty="0" smtClean="0"/>
+              <a:t>Source</a:t>
+            </a:r>
+            <a:endParaRPr lang="en-US" dirty="0"/>
+          </a:p>
+        </p:txBody>
+      </p:sp>
+      <p:sp>
+        <p:nvSpPr>
+          <p:cNvPr id="5" name="TextBox 4"/>
+          <p:cNvSpPr txBox="1"/>
+          <p:nvPr/>
+        </p:nvSpPr>
+        <p:spPr>
+          <a:xfrm>
+            <a:off x="2210980" y="3004993"/>
+            <a:ext cx="1528295" cy="369332"/>
+          </a:xfrm>
+          <a:prstGeom prst="rect">
+            <a:avLst/>
+          </a:prstGeom>
+          <a:noFill/>
+          <a:ln>
+            <a:solidFill>
+              <a:schemeClr val="tx1"/>
+            </a:solidFill>
+          </a:ln>
+        </p:spPr>
+        <p:txBody>
+          <a:bodyPr wrap="none" rtlCol="0">
+            <a:spAutoFit/>
+          </a:bodyPr>
+          <a:lstStyle/>
+          <a:p>
+            <a:r>
+              <a:rPr lang="en-US" dirty="0" smtClean="0"/>
+              <a:t>3-address CFG</a:t>
+            </a:r>
+            <a:endParaRPr lang="en-US" dirty="0"/>
+          </a:p>
+        </p:txBody>
+      </p:sp>
+      <p:sp>
+        <p:nvSpPr>
+          <p:cNvPr id="6" name="TextBox 5"/>
+          <p:cNvSpPr txBox="1"/>
+          <p:nvPr/>
+        </p:nvSpPr>
+        <p:spPr>
+          <a:xfrm>
+            <a:off x="4847735" y="3004993"/>
+            <a:ext cx="1075197" cy="369332"/>
+          </a:xfrm>
+          <a:prstGeom prst="rect">
+            <a:avLst/>
+          </a:prstGeom>
+          <a:noFill/>
+          <a:ln>
+            <a:solidFill>
+              <a:schemeClr val="tx1"/>
+            </a:solidFill>
+          </a:ln>
+        </p:spPr>
+        <p:txBody>
+          <a:bodyPr wrap="none" rtlCol="0">
+            <a:spAutoFit/>
+          </a:bodyPr>
+          <a:lstStyle/>
+          <a:p>
+            <a:r>
+              <a:rPr lang="en-US" dirty="0" smtClean="0"/>
+              <a:t>SSA Form</a:t>
+            </a:r>
+            <a:endParaRPr lang="en-US" dirty="0"/>
+          </a:p>
+        </p:txBody>
+      </p:sp>
+      <p:sp>
+        <p:nvSpPr>
+          <p:cNvPr id="7" name="TextBox 6"/>
+          <p:cNvSpPr txBox="1"/>
+          <p:nvPr/>
+        </p:nvSpPr>
+        <p:spPr>
+          <a:xfrm>
+            <a:off x="7236545" y="3005527"/>
+            <a:ext cx="1318540" cy="369332"/>
+          </a:xfrm>
+          <a:prstGeom prst="rect">
+            <a:avLst/>
+          </a:prstGeom>
+          <a:noFill/>
+          <a:ln>
+            <a:solidFill>
+              <a:schemeClr val="tx1"/>
+            </a:solidFill>
+          </a:ln>
+        </p:spPr>
+        <p:txBody>
+          <a:bodyPr wrap="none" rtlCol="0">
+            <a:spAutoFit/>
+          </a:bodyPr>
+          <a:lstStyle/>
+          <a:p>
+            <a:r>
+              <a:rPr lang="en-US" dirty="0" smtClean="0"/>
+              <a:t>MPC Source</a:t>
+            </a:r>
+            <a:endParaRPr lang="en-US" dirty="0"/>
+          </a:p>
+        </p:txBody>
+      </p:sp>
+      <p:sp>
+        <p:nvSpPr>
+          <p:cNvPr id="8" name="TextBox 7"/>
+          <p:cNvSpPr txBox="1"/>
+          <p:nvPr/>
+        </p:nvSpPr>
+        <p:spPr>
+          <a:xfrm>
+            <a:off x="7228566" y="3010038"/>
+            <a:ext cx="1338828" cy="369332"/>
+          </a:xfrm>
+          <a:prstGeom prst="rect">
+            <a:avLst/>
+          </a:prstGeom>
+          <a:noFill/>
+          <a:ln>
+            <a:solidFill>
+              <a:schemeClr val="tx1"/>
+            </a:solidFill>
+          </a:ln>
+        </p:spPr>
+        <p:txBody>
+          <a:bodyPr wrap="none" rtlCol="0">
+            <a:spAutoFit/>
+          </a:bodyPr>
+          <a:lstStyle/>
+          <a:p>
+            <a:r>
+              <a:rPr lang="en-US" b="1" dirty="0" smtClean="0"/>
+              <a:t>MPC Source</a:t>
+            </a:r>
+            <a:endParaRPr lang="en-US" b="1" dirty="0"/>
+          </a:p>
+        </p:txBody>
+      </p:sp>
+      <p:sp>
+        <p:nvSpPr>
+          <p:cNvPr id="9" name="TextBox 8"/>
+          <p:cNvSpPr txBox="1"/>
+          <p:nvPr/>
+        </p:nvSpPr>
+        <p:spPr>
+          <a:xfrm>
+            <a:off x="9845287" y="2886318"/>
+            <a:ext cx="1338828" cy="646331"/>
+          </a:xfrm>
+          <a:prstGeom prst="rect">
+            <a:avLst/>
+          </a:prstGeom>
+          <a:noFill/>
+          <a:ln>
+            <a:solidFill>
+              <a:schemeClr val="tx1"/>
+            </a:solidFill>
+          </a:ln>
+        </p:spPr>
+        <p:txBody>
+          <a:bodyPr wrap="none" rtlCol="0">
+            <a:spAutoFit/>
+          </a:bodyPr>
+          <a:lstStyle/>
+          <a:p>
+            <a:pPr algn="ctr"/>
+            <a:r>
+              <a:rPr lang="en-US" b="1" dirty="0" smtClean="0"/>
+              <a:t>Optimized </a:t>
+            </a:r>
+            <a:br>
+              <a:rPr lang="en-US" b="1" dirty="0" smtClean="0"/>
+            </a:br>
+            <a:r>
+              <a:rPr lang="en-US" b="1" dirty="0" smtClean="0"/>
+              <a:t>MPC Source</a:t>
+            </a:r>
+            <a:endParaRPr lang="en-US" b="1" dirty="0"/>
+          </a:p>
+        </p:txBody>
+      </p:sp>
+      <p:sp>
+        <p:nvSpPr>
+          <p:cNvPr id="10" name="TextBox 9"/>
+          <p:cNvSpPr txBox="1"/>
+          <p:nvPr/>
+        </p:nvSpPr>
+        <p:spPr>
+          <a:xfrm>
+            <a:off x="12782636" y="3024912"/>
+            <a:ext cx="1007345" cy="369332"/>
+          </a:xfrm>
+          <a:prstGeom prst="rect">
+            <a:avLst/>
+          </a:prstGeom>
+          <a:noFill/>
+          <a:ln>
+            <a:solidFill>
+              <a:schemeClr val="tx1"/>
+            </a:solidFill>
+          </a:ln>
+        </p:spPr>
+        <p:txBody>
+          <a:bodyPr wrap="none" rtlCol="0">
+            <a:spAutoFit/>
+          </a:bodyPr>
+          <a:lstStyle/>
+          <a:p>
+            <a:r>
+              <a:rPr lang="en-US" dirty="0" smtClean="0"/>
+              <a:t>MOTION</a:t>
+            </a:r>
+            <a:endParaRPr lang="en-US" dirty="0"/>
+          </a:p>
+        </p:txBody>
+      </p:sp>
+      <p:sp>
+        <p:nvSpPr>
+          <p:cNvPr id="11" name="TextBox 10"/>
+          <p:cNvSpPr txBox="1"/>
+          <p:nvPr/>
+        </p:nvSpPr>
+        <p:spPr>
+          <a:xfrm>
+            <a:off x="691082" y="1932453"/>
+            <a:ext cx="2012728" cy="646331"/>
+          </a:xfrm>
+          <a:prstGeom prst="rect">
+            <a:avLst/>
+          </a:prstGeom>
+          <a:noFill/>
+          <a:ln>
+            <a:solidFill>
+              <a:srgbClr val="008000"/>
+            </a:solidFill>
+          </a:ln>
+        </p:spPr>
+        <p:txBody>
+          <a:bodyPr wrap="none" rtlCol="0">
+            <a:spAutoFit/>
+          </a:bodyPr>
+          <a:lstStyle/>
+          <a:p>
+            <a:pPr algn="ctr"/>
+            <a:r>
+              <a:rPr lang="en-US" dirty="0" smtClean="0"/>
+              <a:t>Semantic Analysis</a:t>
+            </a:r>
+            <a:br>
+              <a:rPr lang="en-US" dirty="0" smtClean="0"/>
+            </a:br>
+            <a:r>
+              <a:rPr lang="en-US" dirty="0" smtClean="0"/>
+              <a:t>IR Code Generation</a:t>
+            </a:r>
+            <a:endParaRPr lang="en-US" dirty="0"/>
+          </a:p>
+        </p:txBody>
+      </p:sp>
+      <p:sp>
+        <p:nvSpPr>
+          <p:cNvPr id="12" name="TextBox 11"/>
+          <p:cNvSpPr txBox="1"/>
+          <p:nvPr/>
+        </p:nvSpPr>
+        <p:spPr>
+          <a:xfrm>
+            <a:off x="3686470" y="1997705"/>
+            <a:ext cx="1118027" cy="646331"/>
+          </a:xfrm>
+          <a:prstGeom prst="rect">
+            <a:avLst/>
+          </a:prstGeom>
+          <a:noFill/>
+          <a:ln>
+            <a:solidFill>
+              <a:srgbClr val="008000"/>
+            </a:solidFill>
+          </a:ln>
+        </p:spPr>
+        <p:txBody>
+          <a:bodyPr wrap="none" rtlCol="0">
+            <a:spAutoFit/>
+          </a:bodyPr>
+          <a:lstStyle/>
+          <a:p>
+            <a:pPr algn="ctr"/>
+            <a:r>
+              <a:rPr lang="en-US" dirty="0" err="1" smtClean="0"/>
+              <a:t>Cytron’s</a:t>
+            </a:r>
+            <a:r>
+              <a:rPr lang="en-US" dirty="0" smtClean="0"/>
+              <a:t> </a:t>
+            </a:r>
+            <a:br>
+              <a:rPr lang="en-US" dirty="0" smtClean="0"/>
+            </a:br>
+            <a:r>
+              <a:rPr lang="en-US" dirty="0" smtClean="0"/>
+              <a:t>Algorithm</a:t>
+            </a:r>
+            <a:endParaRPr lang="en-US" dirty="0"/>
+          </a:p>
+        </p:txBody>
+      </p:sp>
+      <p:sp>
+        <p:nvSpPr>
+          <p:cNvPr id="13" name="TextBox 12"/>
+          <p:cNvSpPr txBox="1"/>
+          <p:nvPr/>
+        </p:nvSpPr>
+        <p:spPr>
+          <a:xfrm>
+            <a:off x="5593173" y="1980127"/>
+            <a:ext cx="2242884" cy="646331"/>
+          </a:xfrm>
+          <a:prstGeom prst="rect">
+            <a:avLst/>
+          </a:prstGeom>
+          <a:noFill/>
+          <a:ln>
+            <a:solidFill>
+              <a:srgbClr val="008000"/>
+            </a:solidFill>
+          </a:ln>
+        </p:spPr>
+        <p:txBody>
+          <a:bodyPr wrap="none" rtlCol="0">
+            <a:spAutoFit/>
+          </a:bodyPr>
+          <a:lstStyle/>
+          <a:p>
+            <a:pPr algn="ctr"/>
+            <a:r>
+              <a:rPr lang="en-US" dirty="0"/>
+              <a:t>C</a:t>
+            </a:r>
+            <a:r>
+              <a:rPr lang="en-US" dirty="0" smtClean="0"/>
+              <a:t>onditional </a:t>
+            </a:r>
+            <a:r>
+              <a:rPr lang="en-US" dirty="0" err="1" smtClean="0"/>
+              <a:t>Φ</a:t>
+            </a:r>
+            <a:r>
+              <a:rPr lang="en-US" dirty="0" smtClean="0"/>
+              <a:t> -&gt; MUX</a:t>
+            </a:r>
+          </a:p>
+          <a:p>
+            <a:pPr algn="ctr"/>
+            <a:r>
+              <a:rPr lang="en-US" dirty="0" smtClean="0"/>
+              <a:t>Loop </a:t>
+            </a:r>
+            <a:r>
+              <a:rPr lang="en-US" dirty="0" err="1" smtClean="0"/>
+              <a:t>Φ</a:t>
+            </a:r>
+            <a:r>
+              <a:rPr lang="en-US" dirty="0" smtClean="0"/>
+              <a:t> -&gt; pseudo PHI</a:t>
+            </a:r>
+            <a:endParaRPr lang="en-US" dirty="0"/>
+          </a:p>
+        </p:txBody>
+      </p:sp>
+      <p:sp>
+        <p:nvSpPr>
+          <p:cNvPr id="14" name="TextBox 13"/>
+          <p:cNvSpPr txBox="1"/>
+          <p:nvPr/>
+        </p:nvSpPr>
+        <p:spPr>
+          <a:xfrm>
+            <a:off x="8089566" y="1426129"/>
+            <a:ext cx="2223836" cy="1200329"/>
+          </a:xfrm>
+          <a:prstGeom prst="rect">
+            <a:avLst/>
+          </a:prstGeom>
+          <a:noFill/>
+          <a:ln>
+            <a:solidFill>
+              <a:srgbClr val="008000"/>
+            </a:solidFill>
+          </a:ln>
+        </p:spPr>
+        <p:txBody>
+          <a:bodyPr wrap="none" rtlCol="0">
+            <a:spAutoFit/>
+          </a:bodyPr>
+          <a:lstStyle/>
+          <a:p>
+            <a:pPr algn="ctr"/>
+            <a:r>
+              <a:rPr lang="en-US" b="1" dirty="0" smtClean="0"/>
+              <a:t>Dependence Analysis</a:t>
+            </a:r>
+            <a:br>
+              <a:rPr lang="en-US" b="1" dirty="0" smtClean="0"/>
+            </a:br>
+            <a:r>
+              <a:rPr lang="en-US" b="1" dirty="0" smtClean="0"/>
+              <a:t>Taint Analysis</a:t>
+            </a:r>
+          </a:p>
+          <a:p>
+            <a:pPr algn="ctr"/>
+            <a:r>
+              <a:rPr lang="en-US" b="1" dirty="0" err="1" smtClean="0"/>
+              <a:t>Vectorization</a:t>
+            </a:r>
+            <a:endParaRPr lang="en-US" b="1" dirty="0" smtClean="0"/>
+          </a:p>
+          <a:p>
+            <a:pPr algn="ctr"/>
+            <a:r>
+              <a:rPr lang="en-US" b="1" dirty="0" smtClean="0"/>
+              <a:t>Future (e.g., mixing)</a:t>
+            </a:r>
+            <a:endParaRPr lang="en-US" b="1" dirty="0" smtClean="0"/>
+          </a:p>
+        </p:txBody>
+      </p:sp>
+      <p:sp>
+        <p:nvSpPr>
+          <p:cNvPr id="15" name="TextBox 14"/>
+          <p:cNvSpPr txBox="1"/>
+          <p:nvPr/>
+        </p:nvSpPr>
+        <p:spPr>
+          <a:xfrm>
+            <a:off x="10828599" y="2254420"/>
+            <a:ext cx="2433591" cy="369332"/>
+          </a:xfrm>
+          <a:prstGeom prst="rect">
+            <a:avLst/>
+          </a:prstGeom>
+          <a:noFill/>
+          <a:ln>
+            <a:solidFill>
+              <a:srgbClr val="008000"/>
+            </a:solidFill>
+          </a:ln>
+        </p:spPr>
+        <p:txBody>
+          <a:bodyPr wrap="none" rtlCol="0">
+            <a:spAutoFit/>
+          </a:bodyPr>
+          <a:lstStyle/>
+          <a:p>
+            <a:pPr algn="ctr"/>
+            <a:r>
+              <a:rPr lang="en-US" dirty="0" smtClean="0"/>
+              <a:t>Target Code Generation</a:t>
+            </a:r>
+            <a:endParaRPr lang="en-US" dirty="0"/>
+          </a:p>
+        </p:txBody>
+      </p:sp>
+      <p:cxnSp>
+        <p:nvCxnSpPr>
+          <p:cNvPr id="17" name="Straight Arrow Connector 16"/>
+          <p:cNvCxnSpPr>
+            <a:stCxn id="4" idx="3"/>
+            <a:endCxn id="5" idx="1"/>
+          </p:cNvCxnSpPr>
+          <p:nvPr/>
+        </p:nvCxnSpPr>
+        <p:spPr>
+          <a:xfrm>
+            <a:off x="1173429" y="3189125"/>
+            <a:ext cx="1037551" cy="534"/>
+          </a:xfrm>
+          <a:prstGeom prst="straightConnector1">
+            <a:avLst/>
+          </a:prstGeom>
+          <a:ln>
+            <a:tailEnd type="arrow"/>
+          </a:ln>
+        </p:spPr>
+        <p:style>
+          <a:lnRef idx="2">
+            <a:schemeClr val="accent1"/>
+          </a:lnRef>
+          <a:fillRef idx="0">
+            <a:schemeClr val="accent1"/>
+          </a:fillRef>
+          <a:effectRef idx="1">
+            <a:schemeClr val="accent1"/>
+          </a:effectRef>
+          <a:fontRef idx="minor">
+            <a:schemeClr val="tx1"/>
+          </a:fontRef>
+        </p:style>
+      </p:cxnSp>
+      <p:cxnSp>
+        <p:nvCxnSpPr>
+          <p:cNvPr id="19" name="Straight Arrow Connector 18"/>
+          <p:cNvCxnSpPr>
+            <a:stCxn id="5" idx="3"/>
+            <a:endCxn id="6" idx="1"/>
+          </p:cNvCxnSpPr>
+          <p:nvPr/>
+        </p:nvCxnSpPr>
+        <p:spPr>
+          <a:xfrm>
+            <a:off x="3739275" y="3189659"/>
+            <a:ext cx="1108460" cy="0"/>
+          </a:xfrm>
+          <a:prstGeom prst="straightConnector1">
+            <a:avLst/>
+          </a:prstGeom>
+          <a:ln>
+            <a:tailEnd type="arrow"/>
+          </a:ln>
+        </p:spPr>
+        <p:style>
+          <a:lnRef idx="2">
+            <a:schemeClr val="accent1"/>
+          </a:lnRef>
+          <a:fillRef idx="0">
+            <a:schemeClr val="accent1"/>
+          </a:fillRef>
+          <a:effectRef idx="1">
+            <a:schemeClr val="accent1"/>
+          </a:effectRef>
+          <a:fontRef idx="minor">
+            <a:schemeClr val="tx1"/>
+          </a:fontRef>
+        </p:style>
+      </p:cxnSp>
+      <p:cxnSp>
+        <p:nvCxnSpPr>
+          <p:cNvPr id="21" name="Straight Arrow Connector 20"/>
+          <p:cNvCxnSpPr>
+            <a:stCxn id="6" idx="3"/>
+            <a:endCxn id="7" idx="1"/>
+          </p:cNvCxnSpPr>
+          <p:nvPr/>
+        </p:nvCxnSpPr>
+        <p:spPr>
+          <a:xfrm>
+            <a:off x="5922932" y="3189659"/>
+            <a:ext cx="1313613" cy="534"/>
+          </a:xfrm>
+          <a:prstGeom prst="straightConnector1">
+            <a:avLst/>
+          </a:prstGeom>
+          <a:ln>
+            <a:tailEnd type="arrow"/>
+          </a:ln>
+        </p:spPr>
+        <p:style>
+          <a:lnRef idx="2">
+            <a:schemeClr val="accent1"/>
+          </a:lnRef>
+          <a:fillRef idx="0">
+            <a:schemeClr val="accent1"/>
+          </a:fillRef>
+          <a:effectRef idx="1">
+            <a:schemeClr val="accent1"/>
+          </a:effectRef>
+          <a:fontRef idx="minor">
+            <a:schemeClr val="tx1"/>
+          </a:fontRef>
+        </p:style>
+      </p:cxnSp>
+      <p:cxnSp>
+        <p:nvCxnSpPr>
+          <p:cNvPr id="23" name="Straight Arrow Connector 22"/>
+          <p:cNvCxnSpPr>
+            <a:stCxn id="8" idx="3"/>
+            <a:endCxn id="9" idx="1"/>
+          </p:cNvCxnSpPr>
+          <p:nvPr/>
+        </p:nvCxnSpPr>
+        <p:spPr>
+          <a:xfrm>
+            <a:off x="8567394" y="3194704"/>
+            <a:ext cx="1277893" cy="14780"/>
+          </a:xfrm>
+          <a:prstGeom prst="straightConnector1">
+            <a:avLst/>
+          </a:prstGeom>
+          <a:ln>
+            <a:tailEnd type="arrow"/>
+          </a:ln>
+        </p:spPr>
+        <p:style>
+          <a:lnRef idx="2">
+            <a:schemeClr val="accent1"/>
+          </a:lnRef>
+          <a:fillRef idx="0">
+            <a:schemeClr val="accent1"/>
+          </a:fillRef>
+          <a:effectRef idx="1">
+            <a:schemeClr val="accent1"/>
+          </a:effectRef>
+          <a:fontRef idx="minor">
+            <a:schemeClr val="tx1"/>
+          </a:fontRef>
+        </p:style>
+      </p:cxnSp>
+      <p:cxnSp>
+        <p:nvCxnSpPr>
+          <p:cNvPr id="25" name="Straight Arrow Connector 24"/>
+          <p:cNvCxnSpPr>
+            <a:stCxn id="9" idx="3"/>
+            <a:endCxn id="10" idx="1"/>
+          </p:cNvCxnSpPr>
+          <p:nvPr/>
+        </p:nvCxnSpPr>
+        <p:spPr>
+          <a:xfrm>
+            <a:off x="11184115" y="3209484"/>
+            <a:ext cx="1598521" cy="94"/>
+          </a:xfrm>
+          <a:prstGeom prst="straightConnector1">
+            <a:avLst/>
+          </a:prstGeom>
+          <a:ln>
+            <a:tailEnd type="arrow"/>
+          </a:ln>
+        </p:spPr>
+        <p:style>
+          <a:lnRef idx="2">
+            <a:schemeClr val="accent1"/>
+          </a:lnRef>
+          <a:fillRef idx="0">
+            <a:schemeClr val="accent1"/>
+          </a:fillRef>
+          <a:effectRef idx="1">
+            <a:schemeClr val="accent1"/>
+          </a:effectRef>
+          <a:fontRef idx="minor">
+            <a:schemeClr val="tx1"/>
+          </a:fontRef>
+        </p:style>
+      </p:cxnSp>
+      <p:sp>
+        <p:nvSpPr>
+          <p:cNvPr id="28" name="Down Arrow 27"/>
+          <p:cNvSpPr/>
+          <p:nvPr/>
+        </p:nvSpPr>
+        <p:spPr>
+          <a:xfrm>
+            <a:off x="1505814" y="2680261"/>
+            <a:ext cx="385453" cy="386560"/>
+          </a:xfrm>
+          <a:prstGeom prst="downArrow">
+            <a:avLst/>
+          </a:prstGeom>
+        </p:spPr>
+        <p:style>
+          <a:lnRef idx="1">
+            <a:schemeClr val="accent1"/>
+          </a:lnRef>
+          <a:fillRef idx="3">
+            <a:schemeClr val="accent1"/>
+          </a:fillRef>
+          <a:effectRef idx="2">
+            <a:schemeClr val="accent1"/>
+          </a:effectRef>
+          <a:fontRef idx="minor">
+            <a:schemeClr val="lt1"/>
+          </a:fontRef>
+        </p:style>
+        <p:txBody>
+          <a:bodyPr rtlCol="0" anchor="ctr"/>
+          <a:lstStyle/>
+          <a:p>
+            <a:pPr algn="ctr"/>
+            <a:endParaRPr lang="en-US"/>
+          </a:p>
+        </p:txBody>
+      </p:sp>
+      <p:sp>
+        <p:nvSpPr>
+          <p:cNvPr id="29" name="Down Arrow 28"/>
+          <p:cNvSpPr/>
+          <p:nvPr/>
+        </p:nvSpPr>
+        <p:spPr>
+          <a:xfrm>
+            <a:off x="4057233" y="2708407"/>
+            <a:ext cx="385453" cy="386560"/>
+          </a:xfrm>
+          <a:prstGeom prst="downArrow">
+            <a:avLst/>
+          </a:prstGeom>
+        </p:spPr>
+        <p:style>
+          <a:lnRef idx="1">
+            <a:schemeClr val="accent1"/>
+          </a:lnRef>
+          <a:fillRef idx="3">
+            <a:schemeClr val="accent1"/>
+          </a:fillRef>
+          <a:effectRef idx="2">
+            <a:schemeClr val="accent1"/>
+          </a:effectRef>
+          <a:fontRef idx="minor">
+            <a:schemeClr val="lt1"/>
+          </a:fontRef>
+        </p:style>
+        <p:txBody>
+          <a:bodyPr rtlCol="0" anchor="ctr"/>
+          <a:lstStyle/>
+          <a:p>
+            <a:pPr algn="ctr"/>
+            <a:endParaRPr lang="en-US"/>
+          </a:p>
+        </p:txBody>
+      </p:sp>
+      <p:sp>
+        <p:nvSpPr>
+          <p:cNvPr id="30" name="Down Arrow 29"/>
+          <p:cNvSpPr/>
+          <p:nvPr/>
+        </p:nvSpPr>
+        <p:spPr>
+          <a:xfrm>
+            <a:off x="6463214" y="2708407"/>
+            <a:ext cx="385453" cy="386560"/>
+          </a:xfrm>
+          <a:prstGeom prst="downArrow">
+            <a:avLst/>
+          </a:prstGeom>
+        </p:spPr>
+        <p:style>
+          <a:lnRef idx="1">
+            <a:schemeClr val="accent1"/>
+          </a:lnRef>
+          <a:fillRef idx="3">
+            <a:schemeClr val="accent1"/>
+          </a:fillRef>
+          <a:effectRef idx="2">
+            <a:schemeClr val="accent1"/>
+          </a:effectRef>
+          <a:fontRef idx="minor">
+            <a:schemeClr val="lt1"/>
+          </a:fontRef>
+        </p:style>
+        <p:txBody>
+          <a:bodyPr rtlCol="0" anchor="ctr"/>
+          <a:lstStyle/>
+          <a:p>
+            <a:pPr algn="ctr"/>
+            <a:endParaRPr lang="en-US"/>
+          </a:p>
+        </p:txBody>
+      </p:sp>
+      <p:sp>
+        <p:nvSpPr>
+          <p:cNvPr id="31" name="Down Arrow 30"/>
+          <p:cNvSpPr/>
+          <p:nvPr/>
+        </p:nvSpPr>
+        <p:spPr>
+          <a:xfrm>
+            <a:off x="9038498" y="2693038"/>
+            <a:ext cx="385453" cy="386560"/>
+          </a:xfrm>
+          <a:prstGeom prst="downArrow">
+            <a:avLst/>
+          </a:prstGeom>
+        </p:spPr>
+        <p:style>
+          <a:lnRef idx="1">
+            <a:schemeClr val="accent1"/>
+          </a:lnRef>
+          <a:fillRef idx="3">
+            <a:schemeClr val="accent1"/>
+          </a:fillRef>
+          <a:effectRef idx="2">
+            <a:schemeClr val="accent1"/>
+          </a:effectRef>
+          <a:fontRef idx="minor">
+            <a:schemeClr val="lt1"/>
+          </a:fontRef>
+        </p:style>
+        <p:txBody>
+          <a:bodyPr rtlCol="0" anchor="ctr"/>
+          <a:lstStyle/>
+          <a:p>
+            <a:pPr algn="ctr"/>
+            <a:endParaRPr lang="en-US"/>
+          </a:p>
+        </p:txBody>
+      </p:sp>
+      <p:sp>
+        <p:nvSpPr>
+          <p:cNvPr id="32" name="Down Arrow 31"/>
+          <p:cNvSpPr/>
+          <p:nvPr/>
+        </p:nvSpPr>
+        <p:spPr>
+          <a:xfrm>
+            <a:off x="11866992" y="2693038"/>
+            <a:ext cx="385453" cy="386560"/>
+          </a:xfrm>
+          <a:prstGeom prst="downArrow">
+            <a:avLst/>
+          </a:prstGeom>
+        </p:spPr>
+        <p:style>
+          <a:lnRef idx="1">
+            <a:schemeClr val="accent1"/>
+          </a:lnRef>
+          <a:fillRef idx="3">
+            <a:schemeClr val="accent1"/>
+          </a:fillRef>
+          <a:effectRef idx="2">
+            <a:schemeClr val="accent1"/>
+          </a:effectRef>
+          <a:fontRef idx="minor">
+            <a:schemeClr val="lt1"/>
+          </a:fontRef>
+        </p:style>
+        <p:txBody>
+          <a:bodyPr rtlCol="0" anchor="ctr"/>
+          <a:lstStyle/>
+          <a:p>
+            <a:pPr algn="ctr"/>
+            <a:endParaRPr lang="en-US"/>
+          </a:p>
+        </p:txBody>
+      </p:sp>
+      <p:sp>
+        <p:nvSpPr>
+          <p:cNvPr id="2" name="Oval 1"/>
+          <p:cNvSpPr/>
+          <p:nvPr/>
+        </p:nvSpPr>
+        <p:spPr>
+          <a:xfrm>
+            <a:off x="6763041" y="1070169"/>
+            <a:ext cx="5018325" cy="2980410"/>
+          </a:xfrm>
+          <a:prstGeom prst="ellipse">
+            <a:avLst/>
+          </a:prstGeom>
+          <a:noFill/>
+          <a:ln w="25400">
+            <a:solidFill>
+              <a:srgbClr val="FF0000"/>
+            </a:solidFill>
+          </a:ln>
+        </p:spPr>
+        <p:style>
+          <a:lnRef idx="1">
+            <a:schemeClr val="accent1"/>
+          </a:lnRef>
+          <a:fillRef idx="3">
+            <a:schemeClr val="accent1"/>
+          </a:fillRef>
+          <a:effectRef idx="2">
+            <a:schemeClr val="accent1"/>
+          </a:effectRef>
+          <a:fontRef idx="minor">
+            <a:schemeClr val="lt1"/>
+          </a:fontRef>
+        </p:style>
+        <p:txBody>
+          <a:bodyPr rtlCol="0" anchor="ctr"/>
+          <a:lstStyle/>
+          <a:p>
+            <a:pPr algn="ctr"/>
+            <a:endParaRPr lang="en-US" dirty="0" smtClean="0"/>
+          </a:p>
+          <a:p>
+            <a:pPr algn="ctr"/>
+            <a:endParaRPr lang="en-US" dirty="0"/>
+          </a:p>
+        </p:txBody>
+      </p:sp>
+    </p:spTree>
+    <p:extLst>
+      <p:ext uri="{BB962C8B-B14F-4D97-AF65-F5344CB8AC3E}">
+        <p14:creationId xmlns:p14="http://schemas.microsoft.com/office/powerpoint/2010/main" val="217210803"/>
+      </p:ext>
+    </p:extLst>
+  </p:cSld>
+  <p:clrMapOvr>
+    <a:masterClrMapping/>
+  </p:clrMapOvr>
+</p:sld>
+</file>
+
+<file path=ppt/slides/slide4.xml><?xml version="1.0" encoding="utf-8"?>
+<p:sld xmlns:a="http://schemas.openxmlformats.org/drawingml/2006/main" xmlns:r="http://schemas.openxmlformats.org/officeDocument/2006/relationships" xmlns:p="http://schemas.openxmlformats.org/presentationml/2006/main">
+  <p:cSld>
+    <p:spTree>
+      <p:nvGrpSpPr>
+        <p:cNvPr id="1" name=""/>
+        <p:cNvGrpSpPr/>
+        <p:nvPr/>
+      </p:nvGrpSpPr>
+      <p:grpSpPr>
+        <a:xfrm>
+          <a:off x="0" y="0"/>
+          <a:ext cx="0" cy="0"/>
+          <a:chOff x="0" y="0"/>
+          <a:chExt cx="0" cy="0"/>
+        </a:xfrm>
+      </p:grpSpPr>
+      <p:sp>
+        <p:nvSpPr>
+          <p:cNvPr id="4" name="TextBox 3"/>
+          <p:cNvSpPr txBox="1"/>
+          <p:nvPr/>
+        </p:nvSpPr>
+        <p:spPr>
+          <a:xfrm>
             <a:off x="911121" y="1049236"/>
             <a:ext cx="823400" cy="369332"/>
           </a:xfrm>
@@ -4987,7 +5936,7 @@
 </p:sld>
 </file>
 
-<file path=ppt/slides/slide4.xml><?xml version="1.0" encoding="utf-8"?>
+<file path=ppt/slides/slide5.xml><?xml version="1.0" encoding="utf-8"?>
 <p:sld xmlns:a="http://schemas.openxmlformats.org/drawingml/2006/main" xmlns:r="http://schemas.openxmlformats.org/officeDocument/2006/relationships" xmlns:p="http://schemas.openxmlformats.org/presentationml/2006/main">
   <p:cSld>
     <p:spTree>
@@ -5718,11 +6667,7 @@
             <a:pPr algn="ctr"/>
             <a:r>
               <a:rPr lang="en-US" dirty="0" smtClean="0"/>
-              <a:t>???</a:t>
-            </a:r>
-            <a:r>
-              <a:rPr lang="en-US" dirty="0" smtClean="0"/>
-              <a:t> </a:t>
+              <a:t>??? </a:t>
             </a:r>
             <a:br>
               <a:rPr lang="en-US" dirty="0" smtClean="0"/>
@@ -5803,10 +6748,6 @@
               <a:rPr lang="en-US" dirty="0" smtClean="0"/>
               <a:t>SPDZ</a:t>
             </a:r>
-            <a:r>
-              <a:rPr lang="en-US" dirty="0" smtClean="0"/>
-              <a:t/>
-            </a:r>
             <a:br>
               <a:rPr lang="en-US" dirty="0" smtClean="0"/>
             </a:br>
@@ -5885,10 +6826,6 @@
             <a:r>
               <a:rPr lang="en-US" dirty="0" smtClean="0"/>
               <a:t>???</a:t>
-            </a:r>
-            <a:r>
-              <a:rPr lang="en-US" dirty="0" smtClean="0"/>
-              <a:t/>
             </a:r>
             <a:br>
               <a:rPr lang="en-US" dirty="0" smtClean="0"/>

--- a/overleaf/figs_paper_SIMD/Compiler_Framework.pptx
+++ b/overleaf/figs_paper_SIMD/Compiler_Framework.pptx
@@ -4589,7 +4589,6 @@
               <a:rPr lang="en-US" b="1" dirty="0" smtClean="0"/>
               <a:t>Future (e.g., mixing)</a:t>
             </a:r>
-            <a:endParaRPr lang="en-US" b="1" dirty="0" smtClean="0"/>
           </a:p>
         </p:txBody>
       </p:sp>
@@ -6188,8 +6187,8 @@
         </p:nvSpPr>
         <p:spPr>
           <a:xfrm>
-            <a:off x="3240739" y="1996889"/>
-            <a:ext cx="2302846" cy="646331"/>
+            <a:off x="3242882" y="1996889"/>
+            <a:ext cx="2298563" cy="646331"/>
           </a:xfrm>
           <a:prstGeom prst="rect">
             <a:avLst/>
@@ -6210,8 +6209,13 @@
             <a:pPr algn="ctr"/>
             <a:r>
               <a:rPr lang="en-US" b="1" dirty="0" smtClean="0"/>
-              <a:t>“Circuit-independent”</a:t>
-            </a:r>
+              <a:t>Backend</a:t>
+            </a:r>
+            <a:r>
+              <a:rPr lang="en-US" b="1" dirty="0" smtClean="0"/>
+              <a:t>-independent</a:t>
+            </a:r>
+            <a:endParaRPr lang="en-US" b="1" dirty="0" smtClean="0"/>
           </a:p>
           <a:p>
             <a:pPr algn="ctr"/>
@@ -6497,8 +6501,8 @@
         </p:nvSpPr>
         <p:spPr>
           <a:xfrm>
-            <a:off x="38408" y="2965446"/>
-            <a:ext cx="1056700" cy="369332"/>
+            <a:off x="-60051" y="2965446"/>
+            <a:ext cx="1253618" cy="369332"/>
           </a:xfrm>
           <a:prstGeom prst="rect">
             <a:avLst/>
@@ -6519,7 +6523,11 @@
             <a:pPr algn="ctr"/>
             <a:r>
               <a:rPr lang="en-US" dirty="0" smtClean="0"/>
-              <a:t>IMP MPC</a:t>
+              <a:t>IMP </a:t>
+            </a:r>
+            <a:r>
+              <a:rPr lang="en-US" dirty="0" smtClean="0"/>
+              <a:t>Source</a:t>
             </a:r>
             <a:endParaRPr lang="en-US" dirty="0"/>
           </a:p>
@@ -6536,8 +6544,8 @@
         </p:nvCxnSpPr>
         <p:spPr>
           <a:xfrm>
-            <a:off x="1095108" y="3150112"/>
-            <a:ext cx="1332110" cy="40081"/>
+            <a:off x="1193567" y="3150112"/>
+            <a:ext cx="1233651" cy="40081"/>
           </a:xfrm>
           <a:prstGeom prst="straightConnector1">
             <a:avLst/>
